--- a/O3-PM_health effects-Project1_JARR.pptx
+++ b/O3-PM_health effects-Project1_JARR.pptx
@@ -6,23 +6,24 @@
     <p:sldMasterId id="2147483660" r:id="rId2"/>
   </p:sldMasterIdLst>
   <p:notesMasterIdLst>
-    <p:notesMasterId r:id="rId17"/>
+    <p:notesMasterId r:id="rId18"/>
   </p:notesMasterIdLst>
   <p:sldIdLst>
     <p:sldId id="397" r:id="rId3"/>
     <p:sldId id="396" r:id="rId4"/>
     <p:sldId id="395" r:id="rId5"/>
-    <p:sldId id="398" r:id="rId6"/>
-    <p:sldId id="399" r:id="rId7"/>
-    <p:sldId id="400" r:id="rId8"/>
-    <p:sldId id="401" r:id="rId9"/>
-    <p:sldId id="402" r:id="rId10"/>
-    <p:sldId id="404" r:id="rId11"/>
-    <p:sldId id="405" r:id="rId12"/>
-    <p:sldId id="403" r:id="rId13"/>
-    <p:sldId id="407" r:id="rId14"/>
-    <p:sldId id="406" r:id="rId15"/>
-    <p:sldId id="256" r:id="rId16"/>
+    <p:sldId id="408" r:id="rId6"/>
+    <p:sldId id="409" r:id="rId7"/>
+    <p:sldId id="399" r:id="rId8"/>
+    <p:sldId id="400" r:id="rId9"/>
+    <p:sldId id="401" r:id="rId10"/>
+    <p:sldId id="402" r:id="rId11"/>
+    <p:sldId id="404" r:id="rId12"/>
+    <p:sldId id="405" r:id="rId13"/>
+    <p:sldId id="403" r:id="rId14"/>
+    <p:sldId id="407" r:id="rId15"/>
+    <p:sldId id="406" r:id="rId16"/>
+    <p:sldId id="256" r:id="rId17"/>
   </p:sldIdLst>
   <p:sldSz cx="12192000" cy="6858000"/>
   <p:notesSz cx="6858000" cy="9144000"/>
@@ -121,6 +122,11 @@
       </a:defRPr>
     </a:lvl9pPr>
   </p:defaultTextStyle>
+  <p:extLst>
+    <p:ext uri="{EFAFB233-063F-42B5-8137-9DF3F51BA10A}">
+      <p15:sldGuideLst xmlns:p15="http://schemas.microsoft.com/office/powerpoint/2012/main"/>
+    </p:ext>
+  </p:extLst>
 </p:presentation>
 </file>
 
@@ -206,7 +212,7 @@
           <a:p>
             <a:fld id="{1DF614D0-E9D4-41D7-A3E2-A6F0FB64A5C4}" type="datetimeFigureOut">
               <a:rPr lang="en-US" smtClean="0"/>
-              <a:t>8/18/2018</a:t>
+              <a:t>8/20/2018</a:t>
             </a:fld>
             <a:endParaRPr lang="en-US"/>
           </a:p>
@@ -2001,6 +2007,775 @@
     </p:spTree>
     <p:extLst>
       <p:ext uri="{BB962C8B-B14F-4D97-AF65-F5344CB8AC3E}">
+        <p14:creationId xmlns:p14="http://schemas.microsoft.com/office/powerpoint/2010/main" val="1132064366"/>
+      </p:ext>
+    </p:extLst>
+  </p:cSld>
+  <p:clrMapOvr>
+    <a:masterClrMapping/>
+  </p:clrMapOvr>
+</p:notes>
+</file>
+
+<file path=ppt/notesSlides/notesSlide11.xml><?xml version="1.0" encoding="utf-8"?>
+<p:notes xmlns:a="http://schemas.openxmlformats.org/drawingml/2006/main" xmlns:r="http://schemas.openxmlformats.org/officeDocument/2006/relationships" xmlns:p="http://schemas.openxmlformats.org/presentationml/2006/main">
+  <p:cSld>
+    <p:spTree>
+      <p:nvGrpSpPr>
+        <p:cNvPr id="1" name=""/>
+        <p:cNvGrpSpPr/>
+        <p:nvPr/>
+      </p:nvGrpSpPr>
+      <p:grpSpPr>
+        <a:xfrm>
+          <a:off x="0" y="0"/>
+          <a:ext cx="0" cy="0"/>
+          <a:chOff x="0" y="0"/>
+          <a:chExt cx="0" cy="0"/>
+        </a:xfrm>
+      </p:grpSpPr>
+      <p:sp>
+        <p:nvSpPr>
+          <p:cNvPr id="41986" name="Rectangle 7"/>
+          <p:cNvSpPr>
+            <a:spLocks noGrp="1" noChangeArrowheads="1"/>
+          </p:cNvSpPr>
+          <p:nvPr>
+            <p:ph type="sldNum" sz="quarter" idx="5"/>
+          </p:nvPr>
+        </p:nvSpPr>
+        <p:spPr>
+          <a:noFill/>
+          <a:ln/>
+          <a:extLst>
+            <a:ext uri="{909E8E84-426E-40DD-AFC4-6F175D3DCCD1}">
+              <a14:hiddenFill xmlns:a14="http://schemas.microsoft.com/office/drawing/2010/main">
+                <a:solidFill>
+                  <a:srgbClr val="FFFFFF"/>
+                </a:solidFill>
+              </a14:hiddenFill>
+            </a:ext>
+            <a:ext uri="{91240B29-F687-4F45-9708-019B960494DF}">
+              <a14:hiddenLine xmlns:a14="http://schemas.microsoft.com/office/drawing/2010/main" w="9525">
+                <a:solidFill>
+                  <a:srgbClr val="000000"/>
+                </a:solidFill>
+                <a:miter lim="800000"/>
+                <a:headEnd/>
+                <a:tailEnd/>
+              </a14:hiddenLine>
+            </a:ext>
+          </a:extLst>
+        </p:spPr>
+        <p:txBody>
+          <a:bodyPr/>
+          <a:lstStyle>
+            <a:lvl1pPr eaLnBrk="0" hangingPunct="0">
+              <a:defRPr>
+                <a:solidFill>
+                  <a:schemeClr val="tx1"/>
+                </a:solidFill>
+                <a:latin typeface="Arial" pitchFamily="34" charset="0"/>
+              </a:defRPr>
+            </a:lvl1pPr>
+            <a:lvl2pPr marL="742950" indent="-285750" eaLnBrk="0" hangingPunct="0">
+              <a:defRPr>
+                <a:solidFill>
+                  <a:schemeClr val="tx1"/>
+                </a:solidFill>
+                <a:latin typeface="Arial" pitchFamily="34" charset="0"/>
+              </a:defRPr>
+            </a:lvl2pPr>
+            <a:lvl3pPr marL="1143000" indent="-228600" eaLnBrk="0" hangingPunct="0">
+              <a:defRPr>
+                <a:solidFill>
+                  <a:schemeClr val="tx1"/>
+                </a:solidFill>
+                <a:latin typeface="Arial" pitchFamily="34" charset="0"/>
+              </a:defRPr>
+            </a:lvl3pPr>
+            <a:lvl4pPr marL="1600200" indent="-228600" eaLnBrk="0" hangingPunct="0">
+              <a:defRPr>
+                <a:solidFill>
+                  <a:schemeClr val="tx1"/>
+                </a:solidFill>
+                <a:latin typeface="Arial" pitchFamily="34" charset="0"/>
+              </a:defRPr>
+            </a:lvl4pPr>
+            <a:lvl5pPr marL="2057400" indent="-228600" eaLnBrk="0" hangingPunct="0">
+              <a:defRPr>
+                <a:solidFill>
+                  <a:schemeClr val="tx1"/>
+                </a:solidFill>
+                <a:latin typeface="Arial" pitchFamily="34" charset="0"/>
+              </a:defRPr>
+            </a:lvl5pPr>
+            <a:lvl6pPr marL="2514600" indent="-228600" eaLnBrk="0" fontAlgn="base" hangingPunct="0">
+              <a:spcBef>
+                <a:spcPct val="50000"/>
+              </a:spcBef>
+              <a:spcAft>
+                <a:spcPct val="0"/>
+              </a:spcAft>
+              <a:defRPr>
+                <a:solidFill>
+                  <a:schemeClr val="tx1"/>
+                </a:solidFill>
+                <a:latin typeface="Arial" pitchFamily="34" charset="0"/>
+              </a:defRPr>
+            </a:lvl6pPr>
+            <a:lvl7pPr marL="2971800" indent="-228600" eaLnBrk="0" fontAlgn="base" hangingPunct="0">
+              <a:spcBef>
+                <a:spcPct val="50000"/>
+              </a:spcBef>
+              <a:spcAft>
+                <a:spcPct val="0"/>
+              </a:spcAft>
+              <a:defRPr>
+                <a:solidFill>
+                  <a:schemeClr val="tx1"/>
+                </a:solidFill>
+                <a:latin typeface="Arial" pitchFamily="34" charset="0"/>
+              </a:defRPr>
+            </a:lvl7pPr>
+            <a:lvl8pPr marL="3429000" indent="-228600" eaLnBrk="0" fontAlgn="base" hangingPunct="0">
+              <a:spcBef>
+                <a:spcPct val="50000"/>
+              </a:spcBef>
+              <a:spcAft>
+                <a:spcPct val="0"/>
+              </a:spcAft>
+              <a:defRPr>
+                <a:solidFill>
+                  <a:schemeClr val="tx1"/>
+                </a:solidFill>
+                <a:latin typeface="Arial" pitchFamily="34" charset="0"/>
+              </a:defRPr>
+            </a:lvl8pPr>
+            <a:lvl9pPr marL="3886200" indent="-228600" eaLnBrk="0" fontAlgn="base" hangingPunct="0">
+              <a:spcBef>
+                <a:spcPct val="50000"/>
+              </a:spcBef>
+              <a:spcAft>
+                <a:spcPct val="0"/>
+              </a:spcAft>
+              <a:defRPr>
+                <a:solidFill>
+                  <a:schemeClr val="tx1"/>
+                </a:solidFill>
+                <a:latin typeface="Arial" pitchFamily="34" charset="0"/>
+              </a:defRPr>
+            </a:lvl9pPr>
+          </a:lstStyle>
+          <a:p>
+            <a:pPr marL="0" marR="0" lvl="0" indent="0" algn="r" defTabSz="914400" rtl="0" eaLnBrk="1" fontAlgn="base" latinLnBrk="0" hangingPunct="1">
+              <a:lnSpc>
+                <a:spcPct val="100000"/>
+              </a:lnSpc>
+              <a:spcBef>
+                <a:spcPct val="0"/>
+              </a:spcBef>
+              <a:spcAft>
+                <a:spcPct val="0"/>
+              </a:spcAft>
+              <a:buClrTx/>
+              <a:buSzTx/>
+              <a:buFontTx/>
+              <a:buNone/>
+              <a:tabLst/>
+              <a:defRPr/>
+            </a:pPr>
+            <a:fld id="{FEBA1A60-3977-4FBB-A72C-82AE05F4034C}" type="slidenum">
+              <a:rPr kumimoji="0" lang="de-DE" sz="1200" b="0" i="0" u="none" strike="noStrike" kern="1200" cap="none" spc="0" normalizeH="0" baseline="0" noProof="0">
+                <a:ln>
+                  <a:noFill/>
+                </a:ln>
+                <a:solidFill>
+                  <a:prstClr val="black"/>
+                </a:solidFill>
+                <a:effectLst/>
+                <a:uLnTx/>
+                <a:uFillTx/>
+                <a:latin typeface="Arial" pitchFamily="34" charset="0"/>
+                <a:ea typeface="+mn-ea"/>
+                <a:cs typeface="+mn-cs"/>
+              </a:rPr>
+              <a:pPr marL="0" marR="0" lvl="0" indent="0" algn="r" defTabSz="914400" rtl="0" eaLnBrk="1" fontAlgn="base" latinLnBrk="0" hangingPunct="1">
+                <a:lnSpc>
+                  <a:spcPct val="100000"/>
+                </a:lnSpc>
+                <a:spcBef>
+                  <a:spcPct val="0"/>
+                </a:spcBef>
+                <a:spcAft>
+                  <a:spcPct val="0"/>
+                </a:spcAft>
+                <a:buClrTx/>
+                <a:buSzTx/>
+                <a:buFontTx/>
+                <a:buNone/>
+                <a:tabLst/>
+                <a:defRPr/>
+              </a:pPr>
+              <a:t>11</a:t>
+            </a:fld>
+            <a:endParaRPr kumimoji="0" lang="de-DE" sz="1200" b="0" i="0" u="none" strike="noStrike" kern="1200" cap="none" spc="0" normalizeH="0" baseline="0" noProof="0">
+              <a:ln>
+                <a:noFill/>
+              </a:ln>
+              <a:solidFill>
+                <a:prstClr val="black"/>
+              </a:solidFill>
+              <a:effectLst/>
+              <a:uLnTx/>
+              <a:uFillTx/>
+              <a:latin typeface="Arial" pitchFamily="34" charset="0"/>
+              <a:ea typeface="+mn-ea"/>
+              <a:cs typeface="+mn-cs"/>
+            </a:endParaRPr>
+          </a:p>
+        </p:txBody>
+      </p:sp>
+      <p:sp>
+        <p:nvSpPr>
+          <p:cNvPr id="41987" name="Rectangle 2"/>
+          <p:cNvSpPr>
+            <a:spLocks noGrp="1" noRot="1" noChangeAspect="1" noChangeArrowheads="1" noTextEdit="1"/>
+          </p:cNvSpPr>
+          <p:nvPr>
+            <p:ph type="sldImg"/>
+          </p:nvPr>
+        </p:nvSpPr>
+        <p:spPr>
+          <a:ln/>
+        </p:spPr>
+      </p:sp>
+      <p:sp>
+        <p:nvSpPr>
+          <p:cNvPr id="245763" name="Rectangle 3"/>
+          <p:cNvSpPr>
+            <a:spLocks noGrp="1" noChangeArrowheads="1"/>
+          </p:cNvSpPr>
+          <p:nvPr>
+            <p:ph type="body" idx="1"/>
+          </p:nvPr>
+        </p:nvSpPr>
+        <p:spPr>
+          <a:xfrm>
+            <a:off x="900113" y="4675188"/>
+            <a:ext cx="4954587" cy="4429125"/>
+          </a:xfrm>
+        </p:spPr>
+        <p:txBody>
+          <a:bodyPr/>
+          <a:lstStyle/>
+          <a:p>
+            <a:pPr eaLnBrk="1" hangingPunct="1">
+              <a:spcBef>
+                <a:spcPct val="40000"/>
+              </a:spcBef>
+              <a:defRPr/>
+            </a:pPr>
+            <a:r>
+              <a:rPr lang="en-US" dirty="0"/>
+              <a:t>Tropospheric ozone is a secondary pollutant, it is not emitted directly but instead is produced </a:t>
+            </a:r>
+            <a:r>
+              <a:rPr lang="en-US" dirty="0" err="1"/>
+              <a:t>photochemically</a:t>
+            </a:r>
+            <a:r>
+              <a:rPr lang="en-US" dirty="0"/>
+              <a:t> in the troposphere by its precursors such as reactive nitrogen oxide (</a:t>
+            </a:r>
+            <a:r>
+              <a:rPr lang="en-US" dirty="0" err="1"/>
+              <a:t>NOx</a:t>
+            </a:r>
+            <a:r>
+              <a:rPr lang="en-US" dirty="0"/>
+              <a:t>), CO, CH4 and VOC’s. Life time of an ozone molecule in the troposphere varies according to the photochemical activity ( a mean tropospheric life time is ~22days). Ozone has a longer life time in the free and cold troposphere than warmer boundary layer.</a:t>
+            </a:r>
+          </a:p>
+          <a:p>
+            <a:pPr eaLnBrk="1" hangingPunct="1">
+              <a:spcBef>
+                <a:spcPct val="40000"/>
+              </a:spcBef>
+              <a:defRPr/>
+            </a:pPr>
+            <a:r>
+              <a:rPr lang="en-US" dirty="0"/>
+              <a:t>difference between stratospheric and tropospheric ozone generation is in the source of atomic O</a:t>
+            </a:r>
+          </a:p>
+          <a:p>
+            <a:pPr eaLnBrk="1" hangingPunct="1">
+              <a:spcBef>
+                <a:spcPct val="40000"/>
+              </a:spcBef>
+              <a:defRPr/>
+            </a:pPr>
+            <a:r>
+              <a:rPr lang="en-US" dirty="0"/>
+              <a:t>for solar radiation with a wavelength of less than 242 nm:</a:t>
+            </a:r>
+          </a:p>
+          <a:p>
+            <a:pPr algn="ctr" eaLnBrk="1" hangingPunct="1">
+              <a:spcBef>
+                <a:spcPct val="40000"/>
+              </a:spcBef>
+              <a:defRPr/>
+            </a:pPr>
+            <a:r>
+              <a:rPr lang="en-US" dirty="0"/>
+              <a:t>O</a:t>
+            </a:r>
+            <a:r>
+              <a:rPr lang="en-US" baseline="-25000" dirty="0"/>
+              <a:t>2</a:t>
+            </a:r>
+            <a:r>
+              <a:rPr lang="en-US" dirty="0"/>
+              <a:t> + </a:t>
+            </a:r>
+            <a:r>
+              <a:rPr lang="en-US" i="1" dirty="0" err="1"/>
+              <a:t>hv</a:t>
+            </a:r>
+            <a:r>
+              <a:rPr lang="en-US" dirty="0"/>
+              <a:t> </a:t>
+            </a:r>
+            <a:r>
+              <a:rPr lang="en-US" dirty="0">
+                <a:sym typeface="Times New Roman Special G2" pitchFamily="18" charset="2"/>
+              </a:rPr>
+              <a:t> O + O </a:t>
+            </a:r>
+          </a:p>
+          <a:p>
+            <a:pPr algn="ctr" eaLnBrk="1" hangingPunct="1">
+              <a:spcBef>
+                <a:spcPct val="40000"/>
+              </a:spcBef>
+              <a:defRPr/>
+            </a:pPr>
+            <a:endParaRPr lang="en-US" dirty="0">
+              <a:sym typeface="Times New Roman Special G2" pitchFamily="18" charset="2"/>
+            </a:endParaRPr>
+          </a:p>
+          <a:p>
+            <a:pPr eaLnBrk="1" hangingPunct="1">
+              <a:defRPr/>
+            </a:pPr>
+            <a:r>
+              <a:rPr lang="en-US" dirty="0"/>
+              <a:t>photochemical production of O</a:t>
+            </a:r>
+            <a:r>
+              <a:rPr lang="en-US" baseline="-25000" dirty="0"/>
+              <a:t>3</a:t>
+            </a:r>
+            <a:r>
+              <a:rPr lang="en-US" dirty="0"/>
+              <a:t> in troposphere tied to </a:t>
+            </a:r>
+            <a:r>
+              <a:rPr lang="en-US" dirty="0" err="1"/>
+              <a:t>NO</a:t>
+            </a:r>
+            <a:r>
+              <a:rPr lang="en-US" baseline="-25000" dirty="0" err="1"/>
+              <a:t>x</a:t>
+            </a:r>
+            <a:r>
+              <a:rPr lang="en-US" dirty="0"/>
+              <a:t> (NO + NO</a:t>
+            </a:r>
+            <a:r>
+              <a:rPr lang="en-US" baseline="-25000" dirty="0"/>
+              <a:t>2</a:t>
+            </a:r>
+            <a:r>
+              <a:rPr lang="en-US" dirty="0"/>
+              <a:t>)</a:t>
+            </a:r>
+          </a:p>
+          <a:p>
+            <a:pPr eaLnBrk="1" hangingPunct="1">
+              <a:defRPr/>
+            </a:pPr>
+            <a:r>
+              <a:rPr lang="en-US" dirty="0"/>
+              <a:t>for wavelengths less than 424 nm:</a:t>
+            </a:r>
+          </a:p>
+          <a:p>
+            <a:pPr algn="ctr" eaLnBrk="1" hangingPunct="1">
+              <a:defRPr/>
+            </a:pPr>
+            <a:r>
+              <a:rPr lang="en-US" dirty="0"/>
+              <a:t>NO</a:t>
+            </a:r>
+            <a:r>
+              <a:rPr lang="en-US" baseline="-25000" dirty="0"/>
+              <a:t>2</a:t>
+            </a:r>
+            <a:r>
+              <a:rPr lang="en-US" dirty="0"/>
+              <a:t> + </a:t>
+            </a:r>
+            <a:r>
+              <a:rPr lang="en-US" i="1" dirty="0" err="1"/>
+              <a:t>hv</a:t>
+            </a:r>
+            <a:r>
+              <a:rPr lang="en-US" dirty="0"/>
+              <a:t> </a:t>
+            </a:r>
+            <a:r>
+              <a:rPr lang="en-US" dirty="0">
+                <a:sym typeface="Times New Roman Special G2" pitchFamily="18" charset="2"/>
+              </a:rPr>
+              <a:t> NO + O</a:t>
+            </a:r>
+          </a:p>
+          <a:p>
+            <a:pPr eaLnBrk="1" hangingPunct="1">
+              <a:defRPr/>
+            </a:pPr>
+            <a:r>
+              <a:rPr lang="en-US" dirty="0">
+                <a:sym typeface="Times New Roman Special G2" pitchFamily="18" charset="2"/>
+              </a:rPr>
+              <a:t>but NO will react with O</a:t>
+            </a:r>
+            <a:r>
+              <a:rPr lang="en-US" baseline="-25000" dirty="0">
+                <a:sym typeface="Times New Roman Special G2" pitchFamily="18" charset="2"/>
+              </a:rPr>
+              <a:t>3</a:t>
+            </a:r>
+            <a:endParaRPr lang="en-US" dirty="0">
+              <a:sym typeface="Times New Roman Special G2" pitchFamily="18" charset="2"/>
+            </a:endParaRPr>
+          </a:p>
+          <a:p>
+            <a:pPr algn="ctr" eaLnBrk="1" hangingPunct="1">
+              <a:defRPr/>
+            </a:pPr>
+            <a:r>
+              <a:rPr lang="en-US" dirty="0">
+                <a:sym typeface="Times New Roman Special G2" pitchFamily="18" charset="2"/>
+              </a:rPr>
+              <a:t>NO + O</a:t>
+            </a:r>
+            <a:r>
+              <a:rPr lang="en-US" baseline="-25000" dirty="0">
+                <a:sym typeface="Times New Roman Special G2" pitchFamily="18" charset="2"/>
+              </a:rPr>
+              <a:t>3</a:t>
+            </a:r>
+            <a:r>
+              <a:rPr lang="en-US" dirty="0">
+                <a:sym typeface="Times New Roman Special G2" pitchFamily="18" charset="2"/>
+              </a:rPr>
+              <a:t>  NO</a:t>
+            </a:r>
+            <a:r>
+              <a:rPr lang="en-US" baseline="-25000" dirty="0">
+                <a:sym typeface="Times New Roman Special G2" pitchFamily="18" charset="2"/>
+              </a:rPr>
+              <a:t>2</a:t>
+            </a:r>
+            <a:endParaRPr lang="en-US" dirty="0"/>
+          </a:p>
+          <a:p>
+            <a:pPr eaLnBrk="1" hangingPunct="1">
+              <a:defRPr/>
+            </a:pPr>
+            <a:r>
+              <a:rPr lang="en-US" dirty="0"/>
+              <a:t>presence of </a:t>
+            </a:r>
+            <a:r>
+              <a:rPr lang="en-US" dirty="0" err="1"/>
+              <a:t>peroxy</a:t>
+            </a:r>
+            <a:r>
+              <a:rPr lang="en-US" dirty="0"/>
+              <a:t> radicals, from the oxidation of hydrocarbons, disturbs O</a:t>
+            </a:r>
+            <a:r>
+              <a:rPr lang="en-US" baseline="-25000" dirty="0"/>
+              <a:t>3</a:t>
+            </a:r>
+            <a:r>
+              <a:rPr lang="en-US" dirty="0"/>
+              <a:t>-NO-NO</a:t>
+            </a:r>
+            <a:r>
+              <a:rPr lang="en-US" baseline="-25000" dirty="0"/>
+              <a:t>2</a:t>
+            </a:r>
+            <a:r>
+              <a:rPr lang="en-US" dirty="0"/>
+              <a:t> cycle</a:t>
+            </a:r>
+          </a:p>
+          <a:p>
+            <a:pPr algn="ctr" eaLnBrk="1" hangingPunct="1">
+              <a:defRPr/>
+            </a:pPr>
+            <a:r>
+              <a:rPr lang="en-US" sz="1000" dirty="0"/>
+              <a:t>NO + HO</a:t>
+            </a:r>
+            <a:r>
+              <a:rPr lang="en-US" sz="1000" baseline="-25000" dirty="0"/>
+              <a:t>2</a:t>
+            </a:r>
+            <a:r>
+              <a:rPr lang="en-US" sz="1000" dirty="0"/>
+              <a:t>· </a:t>
+            </a:r>
+            <a:r>
+              <a:rPr lang="en-US" sz="1000" dirty="0">
+                <a:sym typeface="Times New Roman Special G2" pitchFamily="18" charset="2"/>
+              </a:rPr>
+              <a:t> NO</a:t>
+            </a:r>
+            <a:r>
+              <a:rPr lang="en-US" sz="1000" baseline="-25000" dirty="0">
+                <a:sym typeface="Times New Roman Special G2" pitchFamily="18" charset="2"/>
+              </a:rPr>
+              <a:t>2</a:t>
+            </a:r>
+            <a:r>
+              <a:rPr lang="en-US" sz="1000" dirty="0">
+                <a:sym typeface="Times New Roman Special G2" pitchFamily="18" charset="2"/>
+              </a:rPr>
+              <a:t> + OH·</a:t>
+            </a:r>
+          </a:p>
+          <a:p>
+            <a:pPr algn="ctr" eaLnBrk="1" hangingPunct="1">
+              <a:defRPr/>
+            </a:pPr>
+            <a:r>
+              <a:rPr lang="en-US" sz="1000" dirty="0"/>
+              <a:t>NO + RO</a:t>
+            </a:r>
+            <a:r>
+              <a:rPr lang="en-US" sz="1000" baseline="-25000" dirty="0"/>
+              <a:t>2</a:t>
+            </a:r>
+            <a:r>
+              <a:rPr lang="en-US" sz="1000" dirty="0"/>
+              <a:t>· </a:t>
+            </a:r>
+            <a:r>
+              <a:rPr lang="en-US" sz="1000" dirty="0">
+                <a:sym typeface="Times New Roman Special G2" pitchFamily="18" charset="2"/>
+              </a:rPr>
+              <a:t> NO</a:t>
+            </a:r>
+            <a:r>
+              <a:rPr lang="en-US" sz="1000" baseline="-25000" dirty="0">
+                <a:sym typeface="Times New Roman Special G2" pitchFamily="18" charset="2"/>
+              </a:rPr>
+              <a:t>2</a:t>
+            </a:r>
+            <a:r>
+              <a:rPr lang="en-US" sz="1000" dirty="0">
+                <a:sym typeface="Times New Roman Special G2" pitchFamily="18" charset="2"/>
+              </a:rPr>
+              <a:t> + RO·</a:t>
+            </a:r>
+            <a:endParaRPr lang="en-US" sz="1000" dirty="0"/>
+          </a:p>
+          <a:p>
+            <a:pPr lvl="1" eaLnBrk="1" hangingPunct="1">
+              <a:defRPr/>
+            </a:pPr>
+            <a:r>
+              <a:rPr lang="en-US" dirty="0"/>
+              <a:t>leads to net production of ozone</a:t>
+            </a:r>
+          </a:p>
+          <a:p>
+            <a:pPr lvl="1" eaLnBrk="1" hangingPunct="1">
+              <a:defRPr/>
+            </a:pPr>
+            <a:r>
+              <a:rPr lang="en-US" dirty="0"/>
+              <a:t>The ozone molecule has four resonance structure which imparts or confer a slight polarity to the ozone molecule (0.53D).</a:t>
+            </a:r>
+          </a:p>
+          <a:p>
+            <a:pPr lvl="1" eaLnBrk="1" hangingPunct="1">
+              <a:defRPr/>
+            </a:pPr>
+            <a:r>
+              <a:rPr lang="en-US" dirty="0"/>
+              <a:t>The bond length 1.272A is intermediate b/w double bond 1.21A and single bond (H-O) 1.47A {angstroms (A)}.</a:t>
+            </a:r>
+          </a:p>
+          <a:p>
+            <a:pPr eaLnBrk="1" hangingPunct="1">
+              <a:defRPr/>
+            </a:pPr>
+            <a:r>
+              <a:rPr lang="en-US" dirty="0">
+                <a:solidFill>
+                  <a:srgbClr val="EAEAEA"/>
+                </a:solidFill>
+                <a:effectLst>
+                  <a:outerShdw blurRad="38100" dist="38100" dir="2700000" algn="tl">
+                    <a:srgbClr val="C0C0C0"/>
+                  </a:outerShdw>
+                </a:effectLst>
+              </a:rPr>
+              <a:t>Protective shield in the stratosphere</a:t>
+            </a:r>
+          </a:p>
+          <a:p>
+            <a:pPr eaLnBrk="1" hangingPunct="1">
+              <a:defRPr/>
+            </a:pPr>
+            <a:r>
+              <a:rPr lang="en-US" dirty="0">
+                <a:solidFill>
+                  <a:srgbClr val="EAEAEA"/>
+                </a:solidFill>
+                <a:effectLst>
+                  <a:outerShdw blurRad="38100" dist="38100" dir="2700000" algn="tl">
+                    <a:srgbClr val="C0C0C0"/>
+                  </a:outerShdw>
+                </a:effectLst>
+              </a:rPr>
+              <a:t>Strong oxidant</a:t>
+            </a:r>
+          </a:p>
+          <a:p>
+            <a:pPr eaLnBrk="1" hangingPunct="1">
+              <a:defRPr/>
+            </a:pPr>
+            <a:r>
+              <a:rPr lang="en-US" dirty="0">
+                <a:solidFill>
+                  <a:srgbClr val="EAEAEA"/>
+                </a:solidFill>
+                <a:effectLst>
+                  <a:outerShdw blurRad="38100" dist="38100" dir="2700000" algn="tl">
+                    <a:srgbClr val="C0C0C0"/>
+                  </a:outerShdw>
+                </a:effectLst>
+              </a:rPr>
+              <a:t>Secondary pollutant in the troposphere</a:t>
+            </a:r>
+          </a:p>
+          <a:p>
+            <a:pPr eaLnBrk="1" hangingPunct="1">
+              <a:defRPr/>
+            </a:pPr>
+            <a:endParaRPr lang="en-US" dirty="0">
+              <a:solidFill>
+                <a:srgbClr val="EAEAEA"/>
+              </a:solidFill>
+              <a:effectLst>
+                <a:outerShdw blurRad="38100" dist="38100" dir="2700000" algn="tl">
+                  <a:srgbClr val="C0C0C0"/>
+                </a:outerShdw>
+              </a:effectLst>
+            </a:endParaRPr>
+          </a:p>
+          <a:p>
+            <a:pPr eaLnBrk="1" hangingPunct="1">
+              <a:defRPr/>
+            </a:pPr>
+            <a:r>
+              <a:rPr lang="en-US" dirty="0">
+                <a:solidFill>
+                  <a:srgbClr val="EAEAEA"/>
+                </a:solidFill>
+                <a:effectLst>
+                  <a:outerShdw blurRad="38100" dist="38100" dir="2700000" algn="tl">
+                    <a:srgbClr val="C0C0C0"/>
+                  </a:outerShdw>
+                </a:effectLst>
+              </a:rPr>
+              <a:t>3rd most abundant GHG with RF +0.3 W.m-2</a:t>
+            </a:r>
+          </a:p>
+          <a:p>
+            <a:pPr eaLnBrk="1" hangingPunct="1">
+              <a:defRPr/>
+            </a:pPr>
+            <a:r>
+              <a:rPr lang="en-US" dirty="0">
+                <a:solidFill>
+                  <a:srgbClr val="EAEAEA"/>
+                </a:solidFill>
+                <a:effectLst>
+                  <a:outerShdw blurRad="38100" dist="38100" dir="2700000" algn="tl">
+                    <a:srgbClr val="C0C0C0"/>
+                  </a:outerShdw>
+                </a:effectLst>
+              </a:rPr>
+              <a:t>Damage crops and property</a:t>
+            </a:r>
+          </a:p>
+          <a:p>
+            <a:pPr eaLnBrk="1" hangingPunct="1">
+              <a:defRPr/>
+            </a:pPr>
+            <a:r>
+              <a:rPr lang="en-US" dirty="0">
+                <a:solidFill>
+                  <a:srgbClr val="EAEAEA"/>
+                </a:solidFill>
+                <a:effectLst>
+                  <a:outerShdw blurRad="38100" dist="38100" dir="2700000" algn="tl">
+                    <a:srgbClr val="C0C0C0"/>
+                  </a:outerShdw>
+                </a:effectLst>
+              </a:rPr>
+              <a:t>Cause respiratory diseases and premature mortality</a:t>
+            </a:r>
+          </a:p>
+          <a:p>
+            <a:pPr lvl="1" eaLnBrk="1" hangingPunct="1">
+              <a:defRPr/>
+            </a:pPr>
+            <a:endParaRPr lang="en-US" dirty="0"/>
+          </a:p>
+          <a:p>
+            <a:pPr algn="ctr" eaLnBrk="1" hangingPunct="1">
+              <a:spcBef>
+                <a:spcPct val="40000"/>
+              </a:spcBef>
+              <a:defRPr/>
+            </a:pPr>
+            <a:endParaRPr lang="en-US" dirty="0"/>
+          </a:p>
+          <a:p>
+            <a:pPr algn="ctr" eaLnBrk="1" hangingPunct="1">
+              <a:spcBef>
+                <a:spcPct val="40000"/>
+              </a:spcBef>
+              <a:defRPr/>
+            </a:pPr>
+            <a:endParaRPr lang="en-US" dirty="0"/>
+          </a:p>
+        </p:txBody>
+      </p:sp>
+    </p:spTree>
+    <p:extLst>
+      <p:ext uri="{BB962C8B-B14F-4D97-AF65-F5344CB8AC3E}">
         <p14:creationId xmlns:p14="http://schemas.microsoft.com/office/powerpoint/2010/main" val="70826392"/>
       </p:ext>
     </p:extLst>
@@ -4303,7 +5078,7 @@
     </p:spTree>
     <p:extLst>
       <p:ext uri="{BB962C8B-B14F-4D97-AF65-F5344CB8AC3E}">
-        <p14:creationId xmlns:p14="http://schemas.microsoft.com/office/powerpoint/2010/main" val="1038133116"/>
+        <p14:creationId xmlns:p14="http://schemas.microsoft.com/office/powerpoint/2010/main" val="3060401688"/>
       </p:ext>
     </p:extLst>
   </p:cSld>
@@ -5072,7 +5847,7 @@
     </p:spTree>
     <p:extLst>
       <p:ext uri="{BB962C8B-B14F-4D97-AF65-F5344CB8AC3E}">
-        <p14:creationId xmlns:p14="http://schemas.microsoft.com/office/powerpoint/2010/main" val="1677780031"/>
+        <p14:creationId xmlns:p14="http://schemas.microsoft.com/office/powerpoint/2010/main" val="2780164346"/>
       </p:ext>
     </p:extLst>
   </p:cSld>
@@ -5841,7 +6616,7 @@
     </p:spTree>
     <p:extLst>
       <p:ext uri="{BB962C8B-B14F-4D97-AF65-F5344CB8AC3E}">
-        <p14:creationId xmlns:p14="http://schemas.microsoft.com/office/powerpoint/2010/main" val="260048585"/>
+        <p14:creationId xmlns:p14="http://schemas.microsoft.com/office/powerpoint/2010/main" val="1677780031"/>
       </p:ext>
     </p:extLst>
   </p:cSld>
@@ -6610,7 +7385,7 @@
     </p:spTree>
     <p:extLst>
       <p:ext uri="{BB962C8B-B14F-4D97-AF65-F5344CB8AC3E}">
-        <p14:creationId xmlns:p14="http://schemas.microsoft.com/office/powerpoint/2010/main" val="3086935365"/>
+        <p14:creationId xmlns:p14="http://schemas.microsoft.com/office/powerpoint/2010/main" val="260048585"/>
       </p:ext>
     </p:extLst>
   </p:cSld>
@@ -7379,7 +8154,7 @@
     </p:spTree>
     <p:extLst>
       <p:ext uri="{BB962C8B-B14F-4D97-AF65-F5344CB8AC3E}">
-        <p14:creationId xmlns:p14="http://schemas.microsoft.com/office/powerpoint/2010/main" val="749959699"/>
+        <p14:creationId xmlns:p14="http://schemas.microsoft.com/office/powerpoint/2010/main" val="3086935365"/>
       </p:ext>
     </p:extLst>
   </p:cSld>
@@ -8148,7 +8923,7 @@
     </p:spTree>
     <p:extLst>
       <p:ext uri="{BB962C8B-B14F-4D97-AF65-F5344CB8AC3E}">
-        <p14:creationId xmlns:p14="http://schemas.microsoft.com/office/powerpoint/2010/main" val="1132064366"/>
+        <p14:creationId xmlns:p14="http://schemas.microsoft.com/office/powerpoint/2010/main" val="749959699"/>
       </p:ext>
     </p:extLst>
   </p:cSld>
@@ -8305,7 +9080,7 @@
           <a:p>
             <a:fld id="{FA0A796C-E1CD-410B-B6FB-BF3D94CB0D1D}" type="datetimeFigureOut">
               <a:rPr lang="en-US" smtClean="0"/>
-              <a:t>8/18/2018</a:t>
+              <a:t>8/20/2018</a:t>
             </a:fld>
             <a:endParaRPr lang="en-US"/>
           </a:p>
@@ -8503,7 +9278,7 @@
           <a:p>
             <a:fld id="{FA0A796C-E1CD-410B-B6FB-BF3D94CB0D1D}" type="datetimeFigureOut">
               <a:rPr lang="en-US" smtClean="0"/>
-              <a:t>8/18/2018</a:t>
+              <a:t>8/20/2018</a:t>
             </a:fld>
             <a:endParaRPr lang="en-US"/>
           </a:p>
@@ -8711,7 +9486,7 @@
           <a:p>
             <a:fld id="{FA0A796C-E1CD-410B-B6FB-BF3D94CB0D1D}" type="datetimeFigureOut">
               <a:rPr lang="en-US" smtClean="0"/>
-              <a:t>8/18/2018</a:t>
+              <a:t>8/20/2018</a:t>
             </a:fld>
             <a:endParaRPr lang="en-US"/>
           </a:p>
@@ -13752,7 +14527,7 @@
           <a:p>
             <a:fld id="{FA0A796C-E1CD-410B-B6FB-BF3D94CB0D1D}" type="datetimeFigureOut">
               <a:rPr lang="en-US" smtClean="0"/>
-              <a:t>8/18/2018</a:t>
+              <a:t>8/20/2018</a:t>
             </a:fld>
             <a:endParaRPr lang="en-US"/>
           </a:p>
@@ -15665,7 +16440,7 @@
           <a:p>
             <a:fld id="{FA0A796C-E1CD-410B-B6FB-BF3D94CB0D1D}" type="datetimeFigureOut">
               <a:rPr lang="en-US" smtClean="0"/>
-              <a:t>8/18/2018</a:t>
+              <a:t>8/20/2018</a:t>
             </a:fld>
             <a:endParaRPr lang="en-US"/>
           </a:p>
@@ -15930,7 +16705,7 @@
           <a:p>
             <a:fld id="{FA0A796C-E1CD-410B-B6FB-BF3D94CB0D1D}" type="datetimeFigureOut">
               <a:rPr lang="en-US" smtClean="0"/>
-              <a:t>8/18/2018</a:t>
+              <a:t>8/20/2018</a:t>
             </a:fld>
             <a:endParaRPr lang="en-US"/>
           </a:p>
@@ -16342,7 +17117,7 @@
           <a:p>
             <a:fld id="{FA0A796C-E1CD-410B-B6FB-BF3D94CB0D1D}" type="datetimeFigureOut">
               <a:rPr lang="en-US" smtClean="0"/>
-              <a:t>8/18/2018</a:t>
+              <a:t>8/20/2018</a:t>
             </a:fld>
             <a:endParaRPr lang="en-US"/>
           </a:p>
@@ -16483,7 +17258,7 @@
           <a:p>
             <a:fld id="{FA0A796C-E1CD-410B-B6FB-BF3D94CB0D1D}" type="datetimeFigureOut">
               <a:rPr lang="en-US" smtClean="0"/>
-              <a:t>8/18/2018</a:t>
+              <a:t>8/20/2018</a:t>
             </a:fld>
             <a:endParaRPr lang="en-US"/>
           </a:p>
@@ -16596,7 +17371,7 @@
           <a:p>
             <a:fld id="{FA0A796C-E1CD-410B-B6FB-BF3D94CB0D1D}" type="datetimeFigureOut">
               <a:rPr lang="en-US" smtClean="0"/>
-              <a:t>8/18/2018</a:t>
+              <a:t>8/20/2018</a:t>
             </a:fld>
             <a:endParaRPr lang="en-US"/>
           </a:p>
@@ -16907,7 +17682,7 @@
           <a:p>
             <a:fld id="{FA0A796C-E1CD-410B-B6FB-BF3D94CB0D1D}" type="datetimeFigureOut">
               <a:rPr lang="en-US" smtClean="0"/>
-              <a:t>8/18/2018</a:t>
+              <a:t>8/20/2018</a:t>
             </a:fld>
             <a:endParaRPr lang="en-US"/>
           </a:p>
@@ -17195,7 +17970,7 @@
           <a:p>
             <a:fld id="{FA0A796C-E1CD-410B-B6FB-BF3D94CB0D1D}" type="datetimeFigureOut">
               <a:rPr lang="en-US" smtClean="0"/>
-              <a:t>8/18/2018</a:t>
+              <a:t>8/20/2018</a:t>
             </a:fld>
             <a:endParaRPr lang="en-US"/>
           </a:p>
@@ -17436,7 +18211,7 @@
           <a:p>
             <a:fld id="{FA0A796C-E1CD-410B-B6FB-BF3D94CB0D1D}" type="datetimeFigureOut">
               <a:rPr lang="en-US" smtClean="0"/>
-              <a:t>8/18/2018</a:t>
+              <a:t>8/20/2018</a:t>
             </a:fld>
             <a:endParaRPr lang="en-US"/>
           </a:p>
@@ -21972,6 +22747,471 @@
                 <a:latin typeface="Arial" panose="020B0604020202020204" pitchFamily="34" charset="0"/>
                 <a:cs typeface="Arial" panose="020B0604020202020204" pitchFamily="34" charset="0"/>
               </a:rPr>
+              <a:t>Fig. 1. The PM</a:t>
+            </a:r>
+            <a:r>
+              <a:rPr lang="en-US" baseline="-25000" dirty="0">
+                <a:latin typeface="Arial" panose="020B0604020202020204" pitchFamily="34" charset="0"/>
+                <a:cs typeface="Arial" panose="020B0604020202020204" pitchFamily="34" charset="0"/>
+              </a:rPr>
+              <a:t>2.5</a:t>
+            </a:r>
+            <a:r>
+              <a:rPr lang="en-US" dirty="0">
+                <a:latin typeface="Arial" panose="020B0604020202020204" pitchFamily="34" charset="0"/>
+                <a:cs typeface="Arial" panose="020B0604020202020204" pitchFamily="34" charset="0"/>
+              </a:rPr>
+              <a:t> concentrations in ambient air across the state of California (2011-2016) and asthma rates per 10,000 individuals admitted during this time. Red squares: &lt;18yr,  blue squares:  &gt;18yr </a:t>
+            </a:r>
+          </a:p>
+        </p:txBody>
+      </p:sp>
+      <p:pic>
+        <p:nvPicPr>
+          <p:cNvPr id="3" name="Picture 2" descr="A picture containing sky&#10;&#10;Description generated with very high confidence">
+            <a:extLst>
+              <a:ext uri="{FF2B5EF4-FFF2-40B4-BE49-F238E27FC236}">
+                <a16:creationId xmlns:a16="http://schemas.microsoft.com/office/drawing/2014/main" id="{2A6459AD-C134-41A4-A6B9-0194892B0D85}"/>
+              </a:ext>
+            </a:extLst>
+          </p:cNvPr>
+          <p:cNvPicPr>
+            <a:picLocks noChangeAspect="1"/>
+          </p:cNvPicPr>
+          <p:nvPr/>
+        </p:nvPicPr>
+        <p:blipFill>
+          <a:blip r:embed="rId3">
+            <a:extLst>
+              <a:ext uri="{28A0092B-C50C-407E-A947-70E740481C1C}">
+                <a14:useLocalDpi xmlns:a14="http://schemas.microsoft.com/office/drawing/2010/main" val="0"/>
+              </a:ext>
+            </a:extLst>
+          </a:blip>
+          <a:stretch>
+            <a:fillRect/>
+          </a:stretch>
+        </p:blipFill>
+        <p:spPr>
+          <a:xfrm>
+            <a:off x="428067" y="1077499"/>
+            <a:ext cx="3364581" cy="2706394"/>
+          </a:xfrm>
+          <a:prstGeom prst="rect">
+            <a:avLst/>
+          </a:prstGeom>
+        </p:spPr>
+      </p:pic>
+      <p:pic>
+        <p:nvPicPr>
+          <p:cNvPr id="5" name="Picture 4" descr="A screenshot of a cell phone&#10;&#10;Description generated with high confidence">
+            <a:extLst>
+              <a:ext uri="{FF2B5EF4-FFF2-40B4-BE49-F238E27FC236}">
+                <a16:creationId xmlns:a16="http://schemas.microsoft.com/office/drawing/2014/main" id="{7454A2B2-352E-4262-B6FE-9886431A8A54}"/>
+              </a:ext>
+            </a:extLst>
+          </p:cNvPr>
+          <p:cNvPicPr>
+            <a:picLocks noChangeAspect="1"/>
+          </p:cNvPicPr>
+          <p:nvPr/>
+        </p:nvPicPr>
+        <p:blipFill>
+          <a:blip r:embed="rId4">
+            <a:extLst>
+              <a:ext uri="{28A0092B-C50C-407E-A947-70E740481C1C}">
+                <a14:useLocalDpi xmlns:a14="http://schemas.microsoft.com/office/drawing/2010/main" val="0"/>
+              </a:ext>
+            </a:extLst>
+          </a:blip>
+          <a:stretch>
+            <a:fillRect/>
+          </a:stretch>
+        </p:blipFill>
+        <p:spPr>
+          <a:xfrm>
+            <a:off x="456519" y="3916401"/>
+            <a:ext cx="3307676" cy="2613684"/>
+          </a:xfrm>
+          <a:prstGeom prst="rect">
+            <a:avLst/>
+          </a:prstGeom>
+        </p:spPr>
+      </p:pic>
+      <p:pic>
+        <p:nvPicPr>
+          <p:cNvPr id="7" name="Picture 6" descr="A picture containing sky&#10;&#10;Description generated with very high confidence">
+            <a:extLst>
+              <a:ext uri="{FF2B5EF4-FFF2-40B4-BE49-F238E27FC236}">
+                <a16:creationId xmlns:a16="http://schemas.microsoft.com/office/drawing/2014/main" id="{CBEE2D6F-8E5D-4EE3-AAFB-668CE9870628}"/>
+              </a:ext>
+            </a:extLst>
+          </p:cNvPr>
+          <p:cNvPicPr>
+            <a:picLocks noChangeAspect="1"/>
+          </p:cNvPicPr>
+          <p:nvPr/>
+        </p:nvPicPr>
+        <p:blipFill>
+          <a:blip r:embed="rId5">
+            <a:extLst>
+              <a:ext uri="{28A0092B-C50C-407E-A947-70E740481C1C}">
+                <a14:useLocalDpi xmlns:a14="http://schemas.microsoft.com/office/drawing/2010/main" val="0"/>
+              </a:ext>
+            </a:extLst>
+          </a:blip>
+          <a:stretch>
+            <a:fillRect/>
+          </a:stretch>
+        </p:blipFill>
+        <p:spPr>
+          <a:xfrm>
+            <a:off x="4132829" y="1105766"/>
+            <a:ext cx="3414715" cy="2706394"/>
+          </a:xfrm>
+          <a:prstGeom prst="rect">
+            <a:avLst/>
+          </a:prstGeom>
+        </p:spPr>
+      </p:pic>
+      <p:pic>
+        <p:nvPicPr>
+          <p:cNvPr id="10" name="Picture 9" descr="A screenshot of a cell phone&#10;&#10;Description generated with high confidence">
+            <a:extLst>
+              <a:ext uri="{FF2B5EF4-FFF2-40B4-BE49-F238E27FC236}">
+                <a16:creationId xmlns:a16="http://schemas.microsoft.com/office/drawing/2014/main" id="{4A90E0D0-50F3-4792-BE3E-DF4BD1F911EA}"/>
+              </a:ext>
+            </a:extLst>
+          </p:cNvPr>
+          <p:cNvPicPr>
+            <a:picLocks noChangeAspect="1"/>
+          </p:cNvPicPr>
+          <p:nvPr/>
+        </p:nvPicPr>
+        <p:blipFill>
+          <a:blip r:embed="rId6">
+            <a:extLst>
+              <a:ext uri="{28A0092B-C50C-407E-A947-70E740481C1C}">
+                <a14:useLocalDpi xmlns:a14="http://schemas.microsoft.com/office/drawing/2010/main" val="0"/>
+              </a:ext>
+            </a:extLst>
+          </a:blip>
+          <a:stretch>
+            <a:fillRect/>
+          </a:stretch>
+        </p:blipFill>
+        <p:spPr>
+          <a:xfrm>
+            <a:off x="3955067" y="3941046"/>
+            <a:ext cx="3443616" cy="2634042"/>
+          </a:xfrm>
+          <a:prstGeom prst="rect">
+            <a:avLst/>
+          </a:prstGeom>
+        </p:spPr>
+      </p:pic>
+      <p:pic>
+        <p:nvPicPr>
+          <p:cNvPr id="14" name="Picture 13" descr="A screenshot of a cell phone&#10;&#10;Description generated with high confidence">
+            <a:extLst>
+              <a:ext uri="{FF2B5EF4-FFF2-40B4-BE49-F238E27FC236}">
+                <a16:creationId xmlns:a16="http://schemas.microsoft.com/office/drawing/2014/main" id="{E259BE0B-46F0-4A38-AC45-DD8DB8D31EF8}"/>
+              </a:ext>
+            </a:extLst>
+          </p:cNvPr>
+          <p:cNvPicPr>
+            <a:picLocks noChangeAspect="1"/>
+          </p:cNvPicPr>
+          <p:nvPr/>
+        </p:nvPicPr>
+        <p:blipFill>
+          <a:blip r:embed="rId7">
+            <a:extLst>
+              <a:ext uri="{28A0092B-C50C-407E-A947-70E740481C1C}">
+                <a14:useLocalDpi xmlns:a14="http://schemas.microsoft.com/office/drawing/2010/main" val="0"/>
+              </a:ext>
+            </a:extLst>
+          </a:blip>
+          <a:stretch>
+            <a:fillRect/>
+          </a:stretch>
+        </p:blipFill>
+        <p:spPr>
+          <a:xfrm>
+            <a:off x="7887726" y="1105766"/>
+            <a:ext cx="3977310" cy="2854160"/>
+          </a:xfrm>
+          <a:prstGeom prst="rect">
+            <a:avLst/>
+          </a:prstGeom>
+        </p:spPr>
+      </p:pic>
+      <p:pic>
+        <p:nvPicPr>
+          <p:cNvPr id="19" name="Picture 18" descr="A screenshot of a cell phone&#10;&#10;Description generated with high confidence">
+            <a:extLst>
+              <a:ext uri="{FF2B5EF4-FFF2-40B4-BE49-F238E27FC236}">
+                <a16:creationId xmlns:a16="http://schemas.microsoft.com/office/drawing/2014/main" id="{0393CAB1-497C-40AC-BD73-BD10881724B0}"/>
+              </a:ext>
+            </a:extLst>
+          </p:cNvPr>
+          <p:cNvPicPr>
+            <a:picLocks noChangeAspect="1"/>
+          </p:cNvPicPr>
+          <p:nvPr/>
+        </p:nvPicPr>
+        <p:blipFill>
+          <a:blip r:embed="rId8">
+            <a:extLst>
+              <a:ext uri="{28A0092B-C50C-407E-A947-70E740481C1C}">
+                <a14:useLocalDpi xmlns:a14="http://schemas.microsoft.com/office/drawing/2010/main" val="0"/>
+              </a:ext>
+            </a:extLst>
+          </a:blip>
+          <a:stretch>
+            <a:fillRect/>
+          </a:stretch>
+        </p:blipFill>
+        <p:spPr>
+          <a:xfrm>
+            <a:off x="7887908" y="4121448"/>
+            <a:ext cx="3847573" cy="2512179"/>
+          </a:xfrm>
+          <a:prstGeom prst="rect">
+            <a:avLst/>
+          </a:prstGeom>
+        </p:spPr>
+      </p:pic>
+    </p:spTree>
+    <p:extLst>
+      <p:ext uri="{BB962C8B-B14F-4D97-AF65-F5344CB8AC3E}">
+        <p14:creationId xmlns:p14="http://schemas.microsoft.com/office/powerpoint/2010/main" val="2141128401"/>
+      </p:ext>
+    </p:extLst>
+  </p:cSld>
+  <p:clrMapOvr>
+    <a:masterClrMapping/>
+  </p:clrMapOvr>
+  <p:transition spd="med"/>
+</p:sld>
+</file>
+
+<file path=ppt/slides/slide11.xml><?xml version="1.0" encoding="utf-8"?>
+<p:sld xmlns:a="http://schemas.openxmlformats.org/drawingml/2006/main" xmlns:r="http://schemas.openxmlformats.org/officeDocument/2006/relationships" xmlns:p="http://schemas.openxmlformats.org/presentationml/2006/main">
+  <p:cSld>
+    <p:spTree>
+      <p:nvGrpSpPr>
+        <p:cNvPr id="1" name=""/>
+        <p:cNvGrpSpPr/>
+        <p:nvPr/>
+      </p:nvGrpSpPr>
+      <p:grpSpPr>
+        <a:xfrm>
+          <a:off x="0" y="0"/>
+          <a:ext cx="0" cy="0"/>
+          <a:chOff x="0" y="0"/>
+          <a:chExt cx="0" cy="0"/>
+        </a:xfrm>
+      </p:grpSpPr>
+      <p:sp>
+        <p:nvSpPr>
+          <p:cNvPr id="244754" name="Rectangle 18"/>
+          <p:cNvSpPr>
+            <a:spLocks noChangeArrowheads="1"/>
+          </p:cNvSpPr>
+          <p:nvPr/>
+        </p:nvSpPr>
+        <p:spPr bwMode="auto">
+          <a:xfrm>
+            <a:off x="7362825" y="6213476"/>
+            <a:ext cx="184720" cy="584771"/>
+          </a:xfrm>
+          <a:prstGeom prst="rect">
+            <a:avLst/>
+          </a:prstGeom>
+          <a:noFill/>
+          <a:ln w="9525">
+            <a:noFill/>
+            <a:miter lim="800000"/>
+            <a:headEnd/>
+            <a:tailEnd/>
+          </a:ln>
+          <a:effectLst>
+            <a:outerShdw dist="35921" dir="2700000" algn="ctr" rotWithShape="0">
+              <a:schemeClr val="bg2"/>
+            </a:outerShdw>
+          </a:effectLst>
+        </p:spPr>
+        <p:txBody>
+          <a:bodyPr wrap="none" lIns="91435" tIns="45718" rIns="91435" bIns="45718">
+            <a:spAutoFit/>
+          </a:bodyPr>
+          <a:lstStyle/>
+          <a:p>
+            <a:pPr eaLnBrk="0" fontAlgn="base" hangingPunct="0">
+              <a:spcBef>
+                <a:spcPct val="0"/>
+              </a:spcBef>
+              <a:spcAft>
+                <a:spcPct val="0"/>
+              </a:spcAft>
+              <a:defRPr/>
+            </a:pPr>
+            <a:endParaRPr lang="en-US" sz="3200" b="1">
+              <a:solidFill>
+                <a:srgbClr val="FFFFFF"/>
+              </a:solidFill>
+              <a:effectLst>
+                <a:outerShdw blurRad="38100" dist="38100" dir="2700000" algn="tl">
+                  <a:srgbClr val="000000"/>
+                </a:outerShdw>
+              </a:effectLst>
+              <a:latin typeface="Times New Roman" pitchFamily="18" charset="0"/>
+              <a:cs typeface="Times New Roman" pitchFamily="18" charset="0"/>
+            </a:endParaRPr>
+          </a:p>
+        </p:txBody>
+      </p:sp>
+      <p:sp>
+        <p:nvSpPr>
+          <p:cNvPr id="244755" name="Rectangle 19"/>
+          <p:cNvSpPr>
+            <a:spLocks noChangeArrowheads="1"/>
+          </p:cNvSpPr>
+          <p:nvPr/>
+        </p:nvSpPr>
+        <p:spPr bwMode="auto">
+          <a:xfrm>
+            <a:off x="8140700" y="6746876"/>
+            <a:ext cx="184720" cy="461661"/>
+          </a:xfrm>
+          <a:prstGeom prst="rect">
+            <a:avLst/>
+          </a:prstGeom>
+          <a:noFill/>
+          <a:ln w="9525">
+            <a:noFill/>
+            <a:miter lim="800000"/>
+            <a:headEnd/>
+            <a:tailEnd/>
+          </a:ln>
+          <a:effectLst>
+            <a:outerShdw dist="35921" dir="2700000" algn="ctr" rotWithShape="0">
+              <a:schemeClr val="bg2"/>
+            </a:outerShdw>
+          </a:effectLst>
+        </p:spPr>
+        <p:txBody>
+          <a:bodyPr wrap="none" lIns="91435" tIns="45718" rIns="91435" bIns="45718">
+            <a:spAutoFit/>
+          </a:bodyPr>
+          <a:lstStyle/>
+          <a:p>
+            <a:pPr eaLnBrk="0" fontAlgn="base" hangingPunct="0">
+              <a:spcBef>
+                <a:spcPct val="0"/>
+              </a:spcBef>
+              <a:spcAft>
+                <a:spcPct val="0"/>
+              </a:spcAft>
+              <a:defRPr/>
+            </a:pPr>
+            <a:endParaRPr lang="en-US" sz="2400" b="1">
+              <a:solidFill>
+                <a:srgbClr val="FFFFFF"/>
+              </a:solidFill>
+              <a:effectLst>
+                <a:outerShdw blurRad="38100" dist="38100" dir="2700000" algn="tl">
+                  <a:srgbClr val="000000"/>
+                </a:outerShdw>
+              </a:effectLst>
+              <a:latin typeface="Times New Roman" pitchFamily="18" charset="0"/>
+              <a:cs typeface="Times New Roman" pitchFamily="18" charset="0"/>
+            </a:endParaRPr>
+          </a:p>
+        </p:txBody>
+      </p:sp>
+      <p:sp>
+        <p:nvSpPr>
+          <p:cNvPr id="41" name="TextBox 40"/>
+          <p:cNvSpPr txBox="1"/>
+          <p:nvPr/>
+        </p:nvSpPr>
+        <p:spPr>
+          <a:xfrm>
+            <a:off x="0" y="6546821"/>
+            <a:ext cx="5676875" cy="400110"/>
+          </a:xfrm>
+          <a:prstGeom prst="rect">
+            <a:avLst/>
+          </a:prstGeom>
+          <a:noFill/>
+        </p:spPr>
+        <p:txBody>
+          <a:bodyPr wrap="none" rtlCol="0">
+            <a:spAutoFit/>
+          </a:bodyPr>
+          <a:lstStyle/>
+          <a:p>
+            <a:pPr fontAlgn="base">
+              <a:spcBef>
+                <a:spcPct val="0"/>
+              </a:spcBef>
+              <a:spcAft>
+                <a:spcPct val="0"/>
+              </a:spcAft>
+            </a:pPr>
+            <a:r>
+              <a:rPr lang="en-US" sz="2000" i="1" dirty="0">
+                <a:solidFill>
+                  <a:srgbClr val="CC66FF"/>
+                </a:solidFill>
+                <a:effectLst>
+                  <a:outerShdw blurRad="38100" dist="38100" dir="2700000" algn="tl">
+                    <a:srgbClr val="000000">
+                      <a:alpha val="43137"/>
+                    </a:srgbClr>
+                  </a:outerShdw>
+                </a:effectLst>
+                <a:latin typeface="Times New Roman" pitchFamily="16" charset="0"/>
+              </a:rPr>
+              <a:t>UCSD Data visualization Bootcamp, DATA20180619</a:t>
+            </a:r>
+          </a:p>
+        </p:txBody>
+      </p:sp>
+      <p:sp>
+        <p:nvSpPr>
+          <p:cNvPr id="17" name="Rectangle 16">
+            <a:extLst>
+              <a:ext uri="{FF2B5EF4-FFF2-40B4-BE49-F238E27FC236}">
+                <a16:creationId xmlns:a16="http://schemas.microsoft.com/office/drawing/2014/main" id="{EFA59C7A-D5E8-4306-8B39-13CF1D2A4D04}"/>
+              </a:ext>
+            </a:extLst>
+          </p:cNvPr>
+          <p:cNvSpPr/>
+          <p:nvPr/>
+        </p:nvSpPr>
+        <p:spPr>
+          <a:xfrm>
+            <a:off x="709554" y="172062"/>
+            <a:ext cx="11159479" cy="646331"/>
+          </a:xfrm>
+          <a:prstGeom prst="rect">
+            <a:avLst/>
+          </a:prstGeom>
+        </p:spPr>
+        <p:txBody>
+          <a:bodyPr wrap="square">
+            <a:spAutoFit/>
+          </a:bodyPr>
+          <a:lstStyle/>
+          <a:p>
+            <a:r>
+              <a:rPr lang="en-US" dirty="0">
+                <a:latin typeface="Arial" panose="020B0604020202020204" pitchFamily="34" charset="0"/>
+                <a:cs typeface="Arial" panose="020B0604020202020204" pitchFamily="34" charset="0"/>
+              </a:rPr>
               <a:t>Fig. 1. The Air Quality Index (AQI) across the state of California (2011-2016) and asthma rates per 10,000 individuals admitted during this time. Red squares: &lt;18yr,  blue squares:  &gt;18yr </a:t>
             </a:r>
           </a:p>
@@ -22207,7 +23447,7 @@
 </p:sld>
 </file>
 
-<file path=ppt/slides/slide11.xml><?xml version="1.0" encoding="utf-8"?>
+<file path=ppt/slides/slide12.xml><?xml version="1.0" encoding="utf-8"?>
 <p:sld xmlns:a="http://schemas.openxmlformats.org/drawingml/2006/main" xmlns:r="http://schemas.openxmlformats.org/officeDocument/2006/relationships" xmlns:p="http://schemas.openxmlformats.org/presentationml/2006/main">
   <p:cSld>
     <p:spTree>
@@ -22543,7 +23783,7 @@
 </p:sld>
 </file>
 
-<file path=ppt/slides/slide12.xml><?xml version="1.0" encoding="utf-8"?>
+<file path=ppt/slides/slide13.xml><?xml version="1.0" encoding="utf-8"?>
 <p:sld xmlns:a="http://schemas.openxmlformats.org/drawingml/2006/main" xmlns:r="http://schemas.openxmlformats.org/officeDocument/2006/relationships" xmlns:p="http://schemas.openxmlformats.org/presentationml/2006/main">
   <p:cSld>
     <p:spTree>
@@ -23070,7 +24310,7 @@
 </p:sld>
 </file>
 
-<file path=ppt/slides/slide13.xml><?xml version="1.0" encoding="utf-8"?>
+<file path=ppt/slides/slide14.xml><?xml version="1.0" encoding="utf-8"?>
 <p:sld xmlns:a="http://schemas.openxmlformats.org/drawingml/2006/main" xmlns:r="http://schemas.openxmlformats.org/officeDocument/2006/relationships" xmlns:p="http://schemas.openxmlformats.org/presentationml/2006/main">
   <p:cSld>
     <p:spTree>
@@ -23402,7 +24642,7 @@
 </p:sld>
 </file>
 
-<file path=ppt/slides/slide14.xml><?xml version="1.0" encoding="utf-8"?>
+<file path=ppt/slides/slide15.xml><?xml version="1.0" encoding="utf-8"?>
 <p:sld xmlns:a="http://schemas.openxmlformats.org/drawingml/2006/main" xmlns:r="http://schemas.openxmlformats.org/officeDocument/2006/relationships" xmlns:p="http://schemas.openxmlformats.org/presentationml/2006/main">
   <p:cSld>
     <p:spTree>
@@ -27734,16 +28974,52 @@
           </a:p>
         </p:txBody>
       </p:sp>
+      <p:pic>
+        <p:nvPicPr>
+          <p:cNvPr id="7" name="Picture 6">
+            <a:extLst>
+              <a:ext uri="{FF2B5EF4-FFF2-40B4-BE49-F238E27FC236}">
+                <a16:creationId xmlns:a16="http://schemas.microsoft.com/office/drawing/2014/main" id="{73673BFA-DF3B-4094-ACA7-A47FCE30CDD3}"/>
+              </a:ext>
+            </a:extLst>
+          </p:cNvPr>
+          <p:cNvPicPr>
+            <a:picLocks noChangeAspect="1"/>
+          </p:cNvPicPr>
+          <p:nvPr/>
+        </p:nvPicPr>
+        <p:blipFill>
+          <a:blip r:embed="rId3"/>
+          <a:stretch>
+            <a:fillRect/>
+          </a:stretch>
+        </p:blipFill>
+        <p:spPr>
+          <a:xfrm>
+            <a:off x="381692" y="1871998"/>
+            <a:ext cx="4099788" cy="4341478"/>
+          </a:xfrm>
+          <a:prstGeom prst="rect">
+            <a:avLst/>
+          </a:prstGeom>
+        </p:spPr>
+      </p:pic>
       <p:sp>
         <p:nvSpPr>
-          <p:cNvPr id="41" name="TextBox 40"/>
+          <p:cNvPr id="9" name="TextBox 8">
+            <a:extLst>
+              <a:ext uri="{FF2B5EF4-FFF2-40B4-BE49-F238E27FC236}">
+                <a16:creationId xmlns:a16="http://schemas.microsoft.com/office/drawing/2014/main" id="{9C860C3D-181B-4C03-BDEA-19E847504E7C}"/>
+              </a:ext>
+            </a:extLst>
+          </p:cNvPr>
           <p:cNvSpPr txBox="1"/>
           <p:nvPr/>
         </p:nvSpPr>
         <p:spPr>
           <a:xfrm>
-            <a:off x="0" y="6546821"/>
-            <a:ext cx="5676875" cy="400110"/>
+            <a:off x="2639505" y="207389"/>
+            <a:ext cx="6084294" cy="923330"/>
           </a:xfrm>
           <a:prstGeom prst="rect">
             <a:avLst/>
@@ -27756,37 +29032,972 @@
           </a:bodyPr>
           <a:lstStyle/>
           <a:p>
-            <a:pPr fontAlgn="base">
+            <a:pPr algn="ctr"/>
+            <a:r>
+              <a:rPr lang="en-US" sz="3600" dirty="0"/>
+              <a:t>Data Collection Using EPA API </a:t>
+            </a:r>
+          </a:p>
+          <a:p>
+            <a:pPr algn="ctr"/>
+            <a:r>
+              <a:rPr lang="en-US" dirty="0"/>
+              <a:t>(https://aqs.epa.gov/api)</a:t>
+            </a:r>
+          </a:p>
+        </p:txBody>
+      </p:sp>
+      <p:sp>
+        <p:nvSpPr>
+          <p:cNvPr id="14" name="Rectangle 13">
+            <a:extLst>
+              <a:ext uri="{FF2B5EF4-FFF2-40B4-BE49-F238E27FC236}">
+                <a16:creationId xmlns:a16="http://schemas.microsoft.com/office/drawing/2014/main" id="{9B1BE6F2-B7C7-49B1-86F7-F64F8EF7C39C}"/>
+              </a:ext>
+            </a:extLst>
+          </p:cNvPr>
+          <p:cNvSpPr/>
+          <p:nvPr/>
+        </p:nvSpPr>
+        <p:spPr bwMode="auto">
+          <a:xfrm>
+            <a:off x="3346515" y="2564091"/>
+            <a:ext cx="1204950" cy="1329179"/>
+          </a:xfrm>
+          <a:prstGeom prst="rect">
+            <a:avLst/>
+          </a:prstGeom>
+          <a:noFill/>
+          <a:ln w="9525" cap="flat" cmpd="sng" algn="ctr">
+            <a:noFill/>
+            <a:prstDash val="solid"/>
+            <a:round/>
+            <a:headEnd type="none" w="med" len="med"/>
+            <a:tailEnd type="none" w="med" len="med"/>
+          </a:ln>
+          <a:effectLst/>
+        </p:spPr>
+        <p:txBody>
+          <a:bodyPr vert="horz" wrap="square" lIns="91440" tIns="45720" rIns="91440" bIns="45720" numCol="1" rtlCol="0" anchor="t" anchorCtr="0" compatLnSpc="1">
+            <a:prstTxWarp prst="textNoShape">
+              <a:avLst/>
+            </a:prstTxWarp>
+            <a:spAutoFit/>
+          </a:bodyPr>
+          <a:lstStyle/>
+          <a:p>
+            <a:pPr marL="0" marR="0" indent="0" algn="l" defTabSz="914400" rtl="0" eaLnBrk="1" fontAlgn="base" latinLnBrk="0" hangingPunct="1">
+              <a:lnSpc>
+                <a:spcPct val="100000"/>
+              </a:lnSpc>
               <a:spcBef>
-                <a:spcPct val="0"/>
+                <a:spcPct val="50000"/>
               </a:spcBef>
               <a:spcAft>
                 <a:spcPct val="0"/>
               </a:spcAft>
-            </a:pPr>
-            <a:r>
-              <a:rPr lang="en-US" sz="2000" i="1" dirty="0">
-                <a:solidFill>
-                  <a:srgbClr val="CC66FF"/>
-                </a:solidFill>
-                <a:effectLst>
-                  <a:outerShdw blurRad="38100" dist="38100" dir="2700000" algn="tl">
-                    <a:srgbClr val="000000">
-                      <a:alpha val="43137"/>
-                    </a:srgbClr>
-                  </a:outerShdw>
-                </a:effectLst>
-                <a:latin typeface="Times New Roman" pitchFamily="16" charset="0"/>
-              </a:rPr>
-              <a:t>UCSD Data visualization Bootcamp, DATA20180619</a:t>
-            </a:r>
+              <a:buClrTx/>
+              <a:buSzTx/>
+              <a:buFontTx/>
+              <a:buNone/>
+              <a:tabLst/>
+            </a:pPr>
+            <a:endParaRPr kumimoji="0" lang="en-US" sz="1800" b="0" i="0" u="none" strike="noStrike" cap="none" normalizeH="0" baseline="0">
+              <a:ln>
+                <a:noFill/>
+              </a:ln>
+              <a:solidFill>
+                <a:schemeClr val="tx1"/>
+              </a:solidFill>
+              <a:effectLst/>
+              <a:latin typeface="Arial" charset="0"/>
+            </a:endParaRPr>
           </a:p>
         </p:txBody>
       </p:sp>
+      <p:sp>
+        <p:nvSpPr>
+          <p:cNvPr id="33" name="TextBox 32">
+            <a:extLst>
+              <a:ext uri="{FF2B5EF4-FFF2-40B4-BE49-F238E27FC236}">
+                <a16:creationId xmlns:a16="http://schemas.microsoft.com/office/drawing/2014/main" id="{6657EC6B-5D01-4F5B-B983-673B9357F82D}"/>
+              </a:ext>
+            </a:extLst>
+          </p:cNvPr>
+          <p:cNvSpPr txBox="1"/>
+          <p:nvPr/>
+        </p:nvSpPr>
+        <p:spPr>
+          <a:xfrm>
+            <a:off x="5373278" y="3601050"/>
+            <a:ext cx="1609865" cy="2031325"/>
+          </a:xfrm>
+          <a:prstGeom prst="rect">
+            <a:avLst/>
+          </a:prstGeom>
+          <a:noFill/>
+          <a:ln>
+            <a:solidFill>
+              <a:schemeClr val="tx1"/>
+            </a:solidFill>
+          </a:ln>
+        </p:spPr>
+        <p:txBody>
+          <a:bodyPr wrap="square" rtlCol="0">
+            <a:spAutoFit/>
+          </a:bodyPr>
+          <a:lstStyle/>
+          <a:p>
+            <a:pPr algn="r"/>
+            <a:r>
+              <a:rPr lang="en-US" dirty="0"/>
+              <a:t>CO2</a:t>
+            </a:r>
+          </a:p>
+          <a:p>
+            <a:pPr algn="r"/>
+            <a:r>
+              <a:rPr lang="en-US" dirty="0"/>
+              <a:t>Ozone</a:t>
+            </a:r>
+          </a:p>
+          <a:p>
+            <a:pPr algn="r"/>
+            <a:r>
+              <a:rPr lang="en-US" dirty="0"/>
+              <a:t>PM2.5</a:t>
+            </a:r>
+          </a:p>
+          <a:p>
+            <a:pPr algn="r"/>
+            <a:r>
+              <a:rPr lang="en-US" dirty="0"/>
+              <a:t>PM10</a:t>
+            </a:r>
+          </a:p>
+          <a:p>
+            <a:pPr algn="r"/>
+            <a:r>
+              <a:rPr lang="en-US" dirty="0"/>
+              <a:t>Wind Speed</a:t>
+            </a:r>
+          </a:p>
+          <a:p>
+            <a:pPr algn="r"/>
+            <a:r>
+              <a:rPr lang="en-US" dirty="0"/>
+              <a:t>Temp</a:t>
+            </a:r>
+          </a:p>
+          <a:p>
+            <a:pPr algn="r"/>
+            <a:r>
+              <a:rPr lang="en-US" dirty="0"/>
+              <a:t>Humidity</a:t>
+            </a:r>
+          </a:p>
+        </p:txBody>
+      </p:sp>
+      <p:sp>
+        <p:nvSpPr>
+          <p:cNvPr id="16" name="Left Brace 15">
+            <a:extLst>
+              <a:ext uri="{FF2B5EF4-FFF2-40B4-BE49-F238E27FC236}">
+                <a16:creationId xmlns:a16="http://schemas.microsoft.com/office/drawing/2014/main" id="{7D723198-30F1-4DA2-B96B-731E3EF70222}"/>
+              </a:ext>
+            </a:extLst>
+          </p:cNvPr>
+          <p:cNvSpPr/>
+          <p:nvPr/>
+        </p:nvSpPr>
+        <p:spPr bwMode="auto">
+          <a:xfrm>
+            <a:off x="7151642" y="2988580"/>
+            <a:ext cx="1169649" cy="2220121"/>
+          </a:xfrm>
+          <a:prstGeom prst="leftBrace">
+            <a:avLst/>
+          </a:prstGeom>
+          <a:noFill/>
+          <a:ln w="9525" cap="flat" cmpd="sng" algn="ctr">
+            <a:solidFill>
+              <a:schemeClr val="tx1"/>
+            </a:solidFill>
+            <a:prstDash val="solid"/>
+            <a:round/>
+            <a:headEnd type="none" w="med" len="med"/>
+            <a:tailEnd type="none" w="med" len="med"/>
+          </a:ln>
+          <a:effectLst/>
+        </p:spPr>
+        <p:txBody>
+          <a:bodyPr vert="horz" wrap="square" lIns="91440" tIns="45720" rIns="91440" bIns="45720" numCol="1" rtlCol="0" anchor="t" anchorCtr="0" compatLnSpc="1">
+            <a:prstTxWarp prst="textNoShape">
+              <a:avLst/>
+            </a:prstTxWarp>
+            <a:spAutoFit/>
+          </a:bodyPr>
+          <a:lstStyle/>
+          <a:p>
+            <a:pPr marL="0" marR="0" indent="0" algn="l" defTabSz="914400" rtl="0" eaLnBrk="1" fontAlgn="base" latinLnBrk="0" hangingPunct="1">
+              <a:lnSpc>
+                <a:spcPct val="100000"/>
+              </a:lnSpc>
+              <a:spcBef>
+                <a:spcPct val="50000"/>
+              </a:spcBef>
+              <a:spcAft>
+                <a:spcPct val="0"/>
+              </a:spcAft>
+              <a:buClrTx/>
+              <a:buSzTx/>
+              <a:buFontTx/>
+              <a:buNone/>
+              <a:tabLst/>
+            </a:pPr>
+            <a:endParaRPr kumimoji="0" lang="en-US" sz="1800" b="0" i="0" u="none" strike="noStrike" cap="none" normalizeH="0" baseline="0">
+              <a:ln>
+                <a:noFill/>
+              </a:ln>
+              <a:solidFill>
+                <a:schemeClr val="tx1"/>
+              </a:solidFill>
+              <a:effectLst/>
+              <a:latin typeface="Arial" charset="0"/>
+            </a:endParaRPr>
+          </a:p>
+        </p:txBody>
+      </p:sp>
+      <p:sp>
+        <p:nvSpPr>
+          <p:cNvPr id="17" name="TextBox 16">
+            <a:extLst>
+              <a:ext uri="{FF2B5EF4-FFF2-40B4-BE49-F238E27FC236}">
+                <a16:creationId xmlns:a16="http://schemas.microsoft.com/office/drawing/2014/main" id="{E951C314-4077-4224-B18D-BC4BE661AA21}"/>
+              </a:ext>
+            </a:extLst>
+          </p:cNvPr>
+          <p:cNvSpPr txBox="1"/>
+          <p:nvPr/>
+        </p:nvSpPr>
+        <p:spPr>
+          <a:xfrm>
+            <a:off x="7879006" y="3082977"/>
+            <a:ext cx="769764" cy="2031325"/>
+          </a:xfrm>
+          <a:prstGeom prst="rect">
+            <a:avLst/>
+          </a:prstGeom>
+          <a:noFill/>
+        </p:spPr>
+        <p:txBody>
+          <a:bodyPr wrap="none" rtlCol="0">
+            <a:spAutoFit/>
+          </a:bodyPr>
+          <a:lstStyle/>
+          <a:p>
+            <a:r>
+              <a:rPr lang="en-US" dirty="0"/>
+              <a:t>2011</a:t>
+            </a:r>
+          </a:p>
+          <a:p>
+            <a:r>
+              <a:rPr lang="en-US" dirty="0"/>
+              <a:t>2012</a:t>
+            </a:r>
+          </a:p>
+          <a:p>
+            <a:r>
+              <a:rPr lang="en-US" dirty="0"/>
+              <a:t>2013</a:t>
+            </a:r>
+          </a:p>
+          <a:p>
+            <a:r>
+              <a:rPr lang="en-US" dirty="0"/>
+              <a:t>2014</a:t>
+            </a:r>
+          </a:p>
+          <a:p>
+            <a:r>
+              <a:rPr lang="en-US" dirty="0"/>
+              <a:t>2015</a:t>
+            </a:r>
+          </a:p>
+          <a:p>
+            <a:r>
+              <a:rPr lang="en-US" dirty="0"/>
+              <a:t>2016</a:t>
+            </a:r>
+          </a:p>
+          <a:p>
+            <a:r>
+              <a:rPr lang="en-US" dirty="0"/>
+              <a:t>2017</a:t>
+            </a:r>
+          </a:p>
+        </p:txBody>
+      </p:sp>
+      <p:sp>
+        <p:nvSpPr>
+          <p:cNvPr id="37" name="TextBox 36">
+            <a:extLst>
+              <a:ext uri="{FF2B5EF4-FFF2-40B4-BE49-F238E27FC236}">
+                <a16:creationId xmlns:a16="http://schemas.microsoft.com/office/drawing/2014/main" id="{2C6546CF-7D2D-442A-A262-E235F3C4E306}"/>
+              </a:ext>
+            </a:extLst>
+          </p:cNvPr>
+          <p:cNvSpPr txBox="1"/>
+          <p:nvPr/>
+        </p:nvSpPr>
+        <p:spPr>
+          <a:xfrm>
+            <a:off x="9266268" y="2457479"/>
+            <a:ext cx="634578" cy="1754326"/>
+          </a:xfrm>
+          <a:prstGeom prst="rect">
+            <a:avLst/>
+          </a:prstGeom>
+          <a:noFill/>
+        </p:spPr>
+        <p:txBody>
+          <a:bodyPr wrap="none" rtlCol="0">
+            <a:spAutoFit/>
+          </a:bodyPr>
+          <a:lstStyle/>
+          <a:p>
+            <a:r>
+              <a:rPr lang="en-US" dirty="0"/>
+              <a:t>001</a:t>
+            </a:r>
+          </a:p>
+          <a:p>
+            <a:r>
+              <a:rPr lang="en-US" dirty="0"/>
+              <a:t>003</a:t>
+            </a:r>
+          </a:p>
+          <a:p>
+            <a:r>
+              <a:rPr lang="en-US" dirty="0"/>
+              <a:t>005</a:t>
+            </a:r>
+          </a:p>
+          <a:p>
+            <a:r>
+              <a:rPr lang="en-US" dirty="0"/>
+              <a:t>007</a:t>
+            </a:r>
+          </a:p>
+          <a:p>
+            <a:r>
+              <a:rPr lang="en-US" dirty="0"/>
+              <a:t>…</a:t>
+            </a:r>
+          </a:p>
+          <a:p>
+            <a:r>
+              <a:rPr lang="en-US" dirty="0"/>
+              <a:t>115</a:t>
+            </a:r>
+          </a:p>
+        </p:txBody>
+      </p:sp>
+      <p:sp>
+        <p:nvSpPr>
+          <p:cNvPr id="38" name="Left Brace 37">
+            <a:extLst>
+              <a:ext uri="{FF2B5EF4-FFF2-40B4-BE49-F238E27FC236}">
+                <a16:creationId xmlns:a16="http://schemas.microsoft.com/office/drawing/2014/main" id="{E06ECF9C-D02F-4DB9-A869-A4E29EE095B1}"/>
+              </a:ext>
+            </a:extLst>
+          </p:cNvPr>
+          <p:cNvSpPr/>
+          <p:nvPr/>
+        </p:nvSpPr>
+        <p:spPr bwMode="auto">
+          <a:xfrm>
+            <a:off x="8511283" y="2264231"/>
+            <a:ext cx="1169649" cy="2050875"/>
+          </a:xfrm>
+          <a:prstGeom prst="leftBrace">
+            <a:avLst/>
+          </a:prstGeom>
+          <a:noFill/>
+          <a:ln w="9525" cap="flat" cmpd="sng" algn="ctr">
+            <a:solidFill>
+              <a:schemeClr val="tx1"/>
+            </a:solidFill>
+            <a:prstDash val="solid"/>
+            <a:round/>
+            <a:headEnd type="none" w="med" len="med"/>
+            <a:tailEnd type="none" w="med" len="med"/>
+          </a:ln>
+          <a:effectLst/>
+        </p:spPr>
+        <p:txBody>
+          <a:bodyPr vert="horz" wrap="square" lIns="91440" tIns="45720" rIns="91440" bIns="45720" numCol="1" rtlCol="0" anchor="t" anchorCtr="0" compatLnSpc="1">
+            <a:prstTxWarp prst="textNoShape">
+              <a:avLst/>
+            </a:prstTxWarp>
+            <a:spAutoFit/>
+          </a:bodyPr>
+          <a:lstStyle/>
+          <a:p>
+            <a:pPr marL="0" marR="0" indent="0" algn="l" defTabSz="914400" rtl="0" eaLnBrk="1" fontAlgn="base" latinLnBrk="0" hangingPunct="1">
+              <a:lnSpc>
+                <a:spcPct val="100000"/>
+              </a:lnSpc>
+              <a:spcBef>
+                <a:spcPct val="50000"/>
+              </a:spcBef>
+              <a:spcAft>
+                <a:spcPct val="0"/>
+              </a:spcAft>
+              <a:buClrTx/>
+              <a:buSzTx/>
+              <a:buFontTx/>
+              <a:buNone/>
+              <a:tabLst/>
+            </a:pPr>
+            <a:endParaRPr kumimoji="0" lang="en-US" sz="1800" b="0" i="0" u="none" strike="noStrike" cap="none" normalizeH="0" baseline="0">
+              <a:ln>
+                <a:noFill/>
+              </a:ln>
+              <a:solidFill>
+                <a:schemeClr val="tx1"/>
+              </a:solidFill>
+              <a:effectLst/>
+              <a:latin typeface="Arial" charset="0"/>
+            </a:endParaRPr>
+          </a:p>
+        </p:txBody>
+      </p:sp>
+      <p:sp>
+        <p:nvSpPr>
+          <p:cNvPr id="20" name="Left Bracket 19">
+            <a:extLst>
+              <a:ext uri="{FF2B5EF4-FFF2-40B4-BE49-F238E27FC236}">
+                <a16:creationId xmlns:a16="http://schemas.microsoft.com/office/drawing/2014/main" id="{CE912198-9139-4923-AEEC-AC1E896EDA2C}"/>
+              </a:ext>
+            </a:extLst>
+          </p:cNvPr>
+          <p:cNvSpPr/>
+          <p:nvPr/>
+        </p:nvSpPr>
+        <p:spPr bwMode="auto">
+          <a:xfrm rot="5400000">
+            <a:off x="8294276" y="435830"/>
+            <a:ext cx="498493" cy="3063912"/>
+          </a:xfrm>
+          <a:prstGeom prst="leftBracket">
+            <a:avLst/>
+          </a:prstGeom>
+          <a:noFill/>
+          <a:ln w="9525" cap="flat" cmpd="sng" algn="ctr">
+            <a:solidFill>
+              <a:schemeClr val="tx1"/>
+            </a:solidFill>
+            <a:prstDash val="solid"/>
+            <a:round/>
+            <a:headEnd type="none" w="med" len="med"/>
+            <a:tailEnd type="none" w="med" len="med"/>
+          </a:ln>
+          <a:effectLst/>
+        </p:spPr>
+        <p:txBody>
+          <a:bodyPr vert="horz" wrap="square" lIns="91440" tIns="45720" rIns="91440" bIns="45720" numCol="1" rtlCol="0" anchor="t" anchorCtr="0" compatLnSpc="1">
+            <a:prstTxWarp prst="textNoShape">
+              <a:avLst/>
+            </a:prstTxWarp>
+            <a:spAutoFit/>
+          </a:bodyPr>
+          <a:lstStyle/>
+          <a:p>
+            <a:pPr marL="0" marR="0" indent="0" algn="l" defTabSz="914400" rtl="0" eaLnBrk="1" fontAlgn="base" latinLnBrk="0" hangingPunct="1">
+              <a:lnSpc>
+                <a:spcPct val="100000"/>
+              </a:lnSpc>
+              <a:spcBef>
+                <a:spcPct val="50000"/>
+              </a:spcBef>
+              <a:spcAft>
+                <a:spcPct val="0"/>
+              </a:spcAft>
+              <a:buClrTx/>
+              <a:buSzTx/>
+              <a:buFontTx/>
+              <a:buNone/>
+              <a:tabLst/>
+            </a:pPr>
+            <a:endParaRPr kumimoji="0" lang="en-US" sz="1800" b="0" i="0" u="none" strike="noStrike" cap="none" normalizeH="0" baseline="0">
+              <a:ln>
+                <a:noFill/>
+              </a:ln>
+              <a:solidFill>
+                <a:schemeClr val="tx1"/>
+              </a:solidFill>
+              <a:effectLst/>
+              <a:latin typeface="Arial" charset="0"/>
+            </a:endParaRPr>
+          </a:p>
+        </p:txBody>
+      </p:sp>
+      <p:sp>
+        <p:nvSpPr>
+          <p:cNvPr id="21" name="TextBox 20">
+            <a:extLst>
+              <a:ext uri="{FF2B5EF4-FFF2-40B4-BE49-F238E27FC236}">
+                <a16:creationId xmlns:a16="http://schemas.microsoft.com/office/drawing/2014/main" id="{254C7893-21EF-4D8A-B712-0B878B8F0F08}"/>
+              </a:ext>
+            </a:extLst>
+          </p:cNvPr>
+          <p:cNvSpPr txBox="1"/>
+          <p:nvPr/>
+        </p:nvSpPr>
+        <p:spPr>
+          <a:xfrm>
+            <a:off x="7528457" y="1231475"/>
+            <a:ext cx="2152475" cy="369332"/>
+          </a:xfrm>
+          <a:prstGeom prst="rect">
+            <a:avLst/>
+          </a:prstGeom>
+          <a:noFill/>
+        </p:spPr>
+        <p:txBody>
+          <a:bodyPr wrap="square" rtlCol="0">
+            <a:spAutoFit/>
+          </a:bodyPr>
+          <a:lstStyle/>
+          <a:p>
+            <a:r>
+              <a:rPr lang="en-US" dirty="0"/>
+              <a:t>Nested For Loop</a:t>
+            </a:r>
+          </a:p>
+        </p:txBody>
+      </p:sp>
+      <p:sp>
+        <p:nvSpPr>
+          <p:cNvPr id="22" name="TextBox 21">
+            <a:extLst>
+              <a:ext uri="{FF2B5EF4-FFF2-40B4-BE49-F238E27FC236}">
+                <a16:creationId xmlns:a16="http://schemas.microsoft.com/office/drawing/2014/main" id="{EEBFFFB4-CDE9-4A71-ACAD-6E19913693BE}"/>
+              </a:ext>
+            </a:extLst>
+          </p:cNvPr>
+          <p:cNvSpPr txBox="1"/>
+          <p:nvPr/>
+        </p:nvSpPr>
+        <p:spPr>
+          <a:xfrm>
+            <a:off x="5681652" y="2946718"/>
+            <a:ext cx="1336520" cy="646331"/>
+          </a:xfrm>
+          <a:prstGeom prst="rect">
+            <a:avLst/>
+          </a:prstGeom>
+          <a:noFill/>
+        </p:spPr>
+        <p:txBody>
+          <a:bodyPr wrap="none" rtlCol="0">
+            <a:spAutoFit/>
+          </a:bodyPr>
+          <a:lstStyle/>
+          <a:p>
+            <a:pPr algn="ctr"/>
+            <a:r>
+              <a:rPr lang="en-US" dirty="0"/>
+              <a:t>Parameter of</a:t>
+            </a:r>
+          </a:p>
+          <a:p>
+            <a:pPr algn="ctr"/>
+            <a:r>
+              <a:rPr lang="en-US" dirty="0"/>
+              <a:t>interest</a:t>
+            </a:r>
+          </a:p>
+        </p:txBody>
+      </p:sp>
+      <p:sp>
+        <p:nvSpPr>
+          <p:cNvPr id="44" name="TextBox 43">
+            <a:extLst>
+              <a:ext uri="{FF2B5EF4-FFF2-40B4-BE49-F238E27FC236}">
+                <a16:creationId xmlns:a16="http://schemas.microsoft.com/office/drawing/2014/main" id="{A20253DE-93F8-4035-A626-12BAD2F259CD}"/>
+              </a:ext>
+            </a:extLst>
+          </p:cNvPr>
+          <p:cNvSpPr txBox="1"/>
+          <p:nvPr/>
+        </p:nvSpPr>
+        <p:spPr>
+          <a:xfrm>
+            <a:off x="7879006" y="2579174"/>
+            <a:ext cx="587277" cy="369332"/>
+          </a:xfrm>
+          <a:prstGeom prst="rect">
+            <a:avLst/>
+          </a:prstGeom>
+          <a:noFill/>
+        </p:spPr>
+        <p:txBody>
+          <a:bodyPr wrap="none" rtlCol="0">
+            <a:spAutoFit/>
+          </a:bodyPr>
+          <a:lstStyle/>
+          <a:p>
+            <a:pPr algn="ctr"/>
+            <a:r>
+              <a:rPr lang="en-US" dirty="0"/>
+              <a:t>Year</a:t>
+            </a:r>
+          </a:p>
+        </p:txBody>
+      </p:sp>
+      <p:sp>
+        <p:nvSpPr>
+          <p:cNvPr id="47" name="TextBox 46">
+            <a:extLst>
+              <a:ext uri="{FF2B5EF4-FFF2-40B4-BE49-F238E27FC236}">
+                <a16:creationId xmlns:a16="http://schemas.microsoft.com/office/drawing/2014/main" id="{CBA7A824-84A8-4A25-95C8-1CC9AF57B81E}"/>
+              </a:ext>
+            </a:extLst>
+          </p:cNvPr>
+          <p:cNvSpPr txBox="1"/>
+          <p:nvPr/>
+        </p:nvSpPr>
+        <p:spPr>
+          <a:xfrm>
+            <a:off x="8780969" y="1913653"/>
+            <a:ext cx="1324402" cy="369332"/>
+          </a:xfrm>
+          <a:prstGeom prst="rect">
+            <a:avLst/>
+          </a:prstGeom>
+          <a:noFill/>
+        </p:spPr>
+        <p:txBody>
+          <a:bodyPr wrap="none" rtlCol="0">
+            <a:spAutoFit/>
+          </a:bodyPr>
+          <a:lstStyle/>
+          <a:p>
+            <a:pPr algn="ctr"/>
+            <a:r>
+              <a:rPr lang="en-US" dirty="0"/>
+              <a:t>County code</a:t>
+            </a:r>
+          </a:p>
+        </p:txBody>
+      </p:sp>
+      <p:sp>
+        <p:nvSpPr>
+          <p:cNvPr id="24" name="TextBox 23">
+            <a:extLst>
+              <a:ext uri="{FF2B5EF4-FFF2-40B4-BE49-F238E27FC236}">
+                <a16:creationId xmlns:a16="http://schemas.microsoft.com/office/drawing/2014/main" id="{79295430-1719-489A-841C-BD65911D9F93}"/>
+              </a:ext>
+            </a:extLst>
+          </p:cNvPr>
+          <p:cNvSpPr txBox="1"/>
+          <p:nvPr/>
+        </p:nvSpPr>
+        <p:spPr>
+          <a:xfrm>
+            <a:off x="8263888" y="5720651"/>
+            <a:ext cx="2185214" cy="646331"/>
+          </a:xfrm>
+          <a:prstGeom prst="rect">
+            <a:avLst/>
+          </a:prstGeom>
+          <a:noFill/>
+        </p:spPr>
+        <p:txBody>
+          <a:bodyPr wrap="none" rtlCol="0">
+            <a:spAutoFit/>
+          </a:bodyPr>
+          <a:lstStyle/>
+          <a:p>
+            <a:r>
+              <a:rPr lang="en-US" b="1" dirty="0"/>
+              <a:t>~</a:t>
+            </a:r>
+            <a:r>
+              <a:rPr lang="en-US" dirty="0"/>
+              <a:t> 3.5 x 10^6 Rows</a:t>
+            </a:r>
+          </a:p>
+          <a:p>
+            <a:r>
+              <a:rPr lang="en-US" b="1" dirty="0"/>
+              <a:t>~</a:t>
+            </a:r>
+            <a:r>
+              <a:rPr lang="en-US" dirty="0"/>
+              <a:t> 3 hours of querying</a:t>
+            </a:r>
+          </a:p>
+        </p:txBody>
+      </p:sp>
+      <p:cxnSp>
+        <p:nvCxnSpPr>
+          <p:cNvPr id="26" name="Straight Arrow Connector 25">
+            <a:extLst>
+              <a:ext uri="{FF2B5EF4-FFF2-40B4-BE49-F238E27FC236}">
+                <a16:creationId xmlns:a16="http://schemas.microsoft.com/office/drawing/2014/main" id="{2C4712CA-FE27-4EAC-8A9E-99EFC36861F5}"/>
+              </a:ext>
+            </a:extLst>
+          </p:cNvPr>
+          <p:cNvCxnSpPr>
+            <a:cxnSpLocks/>
+          </p:cNvCxnSpPr>
+          <p:nvPr/>
+        </p:nvCxnSpPr>
+        <p:spPr bwMode="auto">
+          <a:xfrm>
+            <a:off x="9900846" y="2670614"/>
+            <a:ext cx="649008" cy="0"/>
+          </a:xfrm>
+          <a:prstGeom prst="straightConnector1">
+            <a:avLst/>
+          </a:prstGeom>
+          <a:noFill/>
+          <a:ln w="38100" cap="flat" cmpd="sng" algn="ctr">
+            <a:solidFill>
+              <a:schemeClr val="tx1"/>
+            </a:solidFill>
+            <a:prstDash val="solid"/>
+            <a:round/>
+            <a:headEnd type="none" w="med" len="med"/>
+            <a:tailEnd type="triangle"/>
+          </a:ln>
+          <a:effectLst/>
+        </p:spPr>
+      </p:cxnSp>
+      <p:sp>
+        <p:nvSpPr>
+          <p:cNvPr id="28" name="TextBox 27">
+            <a:extLst>
+              <a:ext uri="{FF2B5EF4-FFF2-40B4-BE49-F238E27FC236}">
+                <a16:creationId xmlns:a16="http://schemas.microsoft.com/office/drawing/2014/main" id="{816D7107-29A0-4100-9729-BA206A9C1D30}"/>
+              </a:ext>
+            </a:extLst>
+          </p:cNvPr>
+          <p:cNvSpPr txBox="1"/>
+          <p:nvPr/>
+        </p:nvSpPr>
+        <p:spPr>
+          <a:xfrm>
+            <a:off x="10655831" y="2457479"/>
+            <a:ext cx="1431995" cy="369332"/>
+          </a:xfrm>
+          <a:prstGeom prst="rect">
+            <a:avLst/>
+          </a:prstGeom>
+          <a:noFill/>
+        </p:spPr>
+        <p:txBody>
+          <a:bodyPr wrap="none" rtlCol="0">
+            <a:spAutoFit/>
+          </a:bodyPr>
+          <a:lstStyle/>
+          <a:p>
+            <a:r>
+              <a:rPr lang="en-US" dirty="0"/>
+              <a:t>[ </a:t>
+            </a:r>
+            <a:r>
+              <a:rPr lang="en-US" dirty="0" err="1"/>
+              <a:t>DataFrame</a:t>
+            </a:r>
+            <a:r>
+              <a:rPr lang="en-US" dirty="0"/>
+              <a:t> ]</a:t>
+            </a:r>
+          </a:p>
+        </p:txBody>
+      </p:sp>
+      <p:sp>
+        <p:nvSpPr>
+          <p:cNvPr id="29" name="TextBox 28">
+            <a:extLst>
+              <a:ext uri="{FF2B5EF4-FFF2-40B4-BE49-F238E27FC236}">
+                <a16:creationId xmlns:a16="http://schemas.microsoft.com/office/drawing/2014/main" id="{2437E144-C3D8-4865-B5A2-0258086ECC79}"/>
+              </a:ext>
+            </a:extLst>
+          </p:cNvPr>
+          <p:cNvSpPr txBox="1"/>
+          <p:nvPr/>
+        </p:nvSpPr>
+        <p:spPr>
+          <a:xfrm>
+            <a:off x="10921468" y="3251194"/>
+            <a:ext cx="780983" cy="1477328"/>
+          </a:xfrm>
+          <a:prstGeom prst="rect">
+            <a:avLst/>
+          </a:prstGeom>
+          <a:noFill/>
+        </p:spPr>
+        <p:txBody>
+          <a:bodyPr wrap="none" rtlCol="0">
+            <a:spAutoFit/>
+          </a:bodyPr>
+          <a:lstStyle/>
+          <a:p>
+            <a:r>
+              <a:rPr lang="en-US" dirty="0"/>
+              <a:t>[ DF1,</a:t>
+            </a:r>
+          </a:p>
+          <a:p>
+            <a:r>
+              <a:rPr lang="en-US" dirty="0"/>
+              <a:t>  DF2,</a:t>
+            </a:r>
+          </a:p>
+          <a:p>
+            <a:r>
+              <a:rPr lang="en-US" dirty="0"/>
+              <a:t>  DF3,</a:t>
+            </a:r>
+          </a:p>
+          <a:p>
+            <a:r>
+              <a:rPr lang="en-US" dirty="0"/>
+              <a:t>  …,</a:t>
+            </a:r>
+          </a:p>
+          <a:p>
+            <a:r>
+              <a:rPr lang="en-US" dirty="0"/>
+              <a:t>  </a:t>
+            </a:r>
+            <a:r>
+              <a:rPr lang="en-US" dirty="0" err="1"/>
+              <a:t>DFi</a:t>
+            </a:r>
+            <a:r>
+              <a:rPr lang="en-US" dirty="0"/>
+              <a:t> ]</a:t>
+            </a:r>
+          </a:p>
+        </p:txBody>
+      </p:sp>
+      <p:cxnSp>
+        <p:nvCxnSpPr>
+          <p:cNvPr id="56" name="Straight Arrow Connector 55">
+            <a:extLst>
+              <a:ext uri="{FF2B5EF4-FFF2-40B4-BE49-F238E27FC236}">
+                <a16:creationId xmlns:a16="http://schemas.microsoft.com/office/drawing/2014/main" id="{ADCFBE77-1FB9-4239-A8C4-3E97CB1E8CB9}"/>
+              </a:ext>
+            </a:extLst>
+          </p:cNvPr>
+          <p:cNvCxnSpPr>
+            <a:cxnSpLocks/>
+          </p:cNvCxnSpPr>
+          <p:nvPr/>
+        </p:nvCxnSpPr>
+        <p:spPr bwMode="auto">
+          <a:xfrm>
+            <a:off x="11381688" y="4755212"/>
+            <a:ext cx="0" cy="426799"/>
+          </a:xfrm>
+          <a:prstGeom prst="straightConnector1">
+            <a:avLst/>
+          </a:prstGeom>
+          <a:noFill/>
+          <a:ln w="38100" cap="flat" cmpd="sng" algn="ctr">
+            <a:solidFill>
+              <a:schemeClr val="tx1"/>
+            </a:solidFill>
+            <a:prstDash val="solid"/>
+            <a:round/>
+            <a:headEnd type="none" w="med" len="med"/>
+            <a:tailEnd type="triangle"/>
+          </a:ln>
+          <a:effectLst/>
+        </p:spPr>
+      </p:cxnSp>
+      <p:sp>
+        <p:nvSpPr>
+          <p:cNvPr id="32" name="TextBox 31">
+            <a:extLst>
+              <a:ext uri="{FF2B5EF4-FFF2-40B4-BE49-F238E27FC236}">
+                <a16:creationId xmlns:a16="http://schemas.microsoft.com/office/drawing/2014/main" id="{BC0DA96B-92A0-4A51-9660-C2A3258C40DA}"/>
+              </a:ext>
+            </a:extLst>
+          </p:cNvPr>
+          <p:cNvSpPr txBox="1"/>
+          <p:nvPr/>
+        </p:nvSpPr>
+        <p:spPr>
+          <a:xfrm>
+            <a:off x="10655831" y="5208701"/>
+            <a:ext cx="1402948" cy="369332"/>
+          </a:xfrm>
+          <a:prstGeom prst="rect">
+            <a:avLst/>
+          </a:prstGeom>
+          <a:noFill/>
+        </p:spPr>
+        <p:txBody>
+          <a:bodyPr wrap="none" rtlCol="0">
+            <a:spAutoFit/>
+          </a:bodyPr>
+          <a:lstStyle/>
+          <a:p>
+            <a:r>
+              <a:rPr lang="en-US" dirty="0"/>
+              <a:t>[ Master DF ]</a:t>
+            </a:r>
+          </a:p>
+        </p:txBody>
+      </p:sp>
+      <p:cxnSp>
+        <p:nvCxnSpPr>
+          <p:cNvPr id="60" name="Straight Arrow Connector 59">
+            <a:extLst>
+              <a:ext uri="{FF2B5EF4-FFF2-40B4-BE49-F238E27FC236}">
+                <a16:creationId xmlns:a16="http://schemas.microsoft.com/office/drawing/2014/main" id="{CBC5609A-832F-43D7-9B09-1EF9132FBF30}"/>
+              </a:ext>
+            </a:extLst>
+          </p:cNvPr>
+          <p:cNvCxnSpPr>
+            <a:cxnSpLocks/>
+            <a:stCxn id="28" idx="2"/>
+          </p:cNvCxnSpPr>
+          <p:nvPr/>
+        </p:nvCxnSpPr>
+        <p:spPr bwMode="auto">
+          <a:xfrm>
+            <a:off x="11371829" y="2826811"/>
+            <a:ext cx="0" cy="401869"/>
+          </a:xfrm>
+          <a:prstGeom prst="straightConnector1">
+            <a:avLst/>
+          </a:prstGeom>
+          <a:noFill/>
+          <a:ln w="38100" cap="flat" cmpd="sng" algn="ctr">
+            <a:solidFill>
+              <a:schemeClr val="tx1"/>
+            </a:solidFill>
+            <a:prstDash val="solid"/>
+            <a:round/>
+            <a:headEnd type="none" w="med" len="med"/>
+            <a:tailEnd type="triangle"/>
+          </a:ln>
+          <a:effectLst/>
+        </p:spPr>
+      </p:cxnSp>
     </p:spTree>
     <p:extLst>
       <p:ext uri="{BB962C8B-B14F-4D97-AF65-F5344CB8AC3E}">
-        <p14:creationId xmlns:p14="http://schemas.microsoft.com/office/powerpoint/2010/main" val="1850276656"/>
+        <p14:creationId xmlns:p14="http://schemas.microsoft.com/office/powerpoint/2010/main" val="746343981"/>
       </p:ext>
     </p:extLst>
   </p:cSld>
@@ -27794,6 +30005,655 @@
     <a:masterClrMapping/>
   </p:clrMapOvr>
   <p:transition spd="med"/>
+  <p:timing>
+    <p:tnLst>
+      <p:par>
+        <p:cTn id="1" dur="indefinite" restart="never" nodeType="tmRoot">
+          <p:childTnLst>
+            <p:seq concurrent="1" nextAc="seek">
+              <p:cTn id="2" dur="indefinite" nodeType="mainSeq">
+                <p:childTnLst>
+                  <p:par>
+                    <p:cTn id="3" fill="hold">
+                      <p:stCondLst>
+                        <p:cond delay="indefinite"/>
+                      </p:stCondLst>
+                      <p:childTnLst>
+                        <p:par>
+                          <p:cTn id="4" fill="hold">
+                            <p:stCondLst>
+                              <p:cond delay="0"/>
+                            </p:stCondLst>
+                            <p:childTnLst>
+                              <p:par>
+                                <p:cTn id="5" presetID="1" presetClass="entr" presetSubtype="0" fill="hold" grpId="0" nodeType="clickEffect">
+                                  <p:stCondLst>
+                                    <p:cond delay="0"/>
+                                  </p:stCondLst>
+                                  <p:childTnLst>
+                                    <p:set>
+                                      <p:cBhvr>
+                                        <p:cTn id="6" dur="1" fill="hold">
+                                          <p:stCondLst>
+                                            <p:cond delay="0"/>
+                                          </p:stCondLst>
+                                        </p:cTn>
+                                        <p:tgtEl>
+                                          <p:spTgt spid="33"/>
+                                        </p:tgtEl>
+                                        <p:attrNameLst>
+                                          <p:attrName>style.visibility</p:attrName>
+                                        </p:attrNameLst>
+                                      </p:cBhvr>
+                                      <p:to>
+                                        <p:strVal val="visible"/>
+                                      </p:to>
+                                    </p:set>
+                                  </p:childTnLst>
+                                </p:cTn>
+                              </p:par>
+                              <p:par>
+                                <p:cTn id="7" presetID="1" presetClass="entr" presetSubtype="0" fill="hold" grpId="0" nodeType="withEffect">
+                                  <p:stCondLst>
+                                    <p:cond delay="0"/>
+                                  </p:stCondLst>
+                                  <p:childTnLst>
+                                    <p:set>
+                                      <p:cBhvr>
+                                        <p:cTn id="8" dur="1" fill="hold">
+                                          <p:stCondLst>
+                                            <p:cond delay="0"/>
+                                          </p:stCondLst>
+                                        </p:cTn>
+                                        <p:tgtEl>
+                                          <p:spTgt spid="22"/>
+                                        </p:tgtEl>
+                                        <p:attrNameLst>
+                                          <p:attrName>style.visibility</p:attrName>
+                                        </p:attrNameLst>
+                                      </p:cBhvr>
+                                      <p:to>
+                                        <p:strVal val="visible"/>
+                                      </p:to>
+                                    </p:set>
+                                  </p:childTnLst>
+                                </p:cTn>
+                              </p:par>
+                            </p:childTnLst>
+                          </p:cTn>
+                        </p:par>
+                      </p:childTnLst>
+                    </p:cTn>
+                  </p:par>
+                  <p:par>
+                    <p:cTn id="9" fill="hold">
+                      <p:stCondLst>
+                        <p:cond delay="indefinite"/>
+                      </p:stCondLst>
+                      <p:childTnLst>
+                        <p:par>
+                          <p:cTn id="10" fill="hold">
+                            <p:stCondLst>
+                              <p:cond delay="0"/>
+                            </p:stCondLst>
+                            <p:childTnLst>
+                              <p:par>
+                                <p:cTn id="11" presetID="1" presetClass="entr" presetSubtype="0" fill="hold" grpId="0" nodeType="clickEffect">
+                                  <p:stCondLst>
+                                    <p:cond delay="0"/>
+                                  </p:stCondLst>
+                                  <p:childTnLst>
+                                    <p:set>
+                                      <p:cBhvr>
+                                        <p:cTn id="12" dur="1" fill="hold">
+                                          <p:stCondLst>
+                                            <p:cond delay="0"/>
+                                          </p:stCondLst>
+                                        </p:cTn>
+                                        <p:tgtEl>
+                                          <p:spTgt spid="17"/>
+                                        </p:tgtEl>
+                                        <p:attrNameLst>
+                                          <p:attrName>style.visibility</p:attrName>
+                                        </p:attrNameLst>
+                                      </p:cBhvr>
+                                      <p:to>
+                                        <p:strVal val="visible"/>
+                                      </p:to>
+                                    </p:set>
+                                  </p:childTnLst>
+                                </p:cTn>
+                              </p:par>
+                              <p:par>
+                                <p:cTn id="13" presetID="1" presetClass="entr" presetSubtype="0" fill="hold" grpId="0" nodeType="withEffect">
+                                  <p:stCondLst>
+                                    <p:cond delay="0"/>
+                                  </p:stCondLst>
+                                  <p:childTnLst>
+                                    <p:set>
+                                      <p:cBhvr>
+                                        <p:cTn id="14" dur="1" fill="hold">
+                                          <p:stCondLst>
+                                            <p:cond delay="0"/>
+                                          </p:stCondLst>
+                                        </p:cTn>
+                                        <p:tgtEl>
+                                          <p:spTgt spid="16"/>
+                                        </p:tgtEl>
+                                        <p:attrNameLst>
+                                          <p:attrName>style.visibility</p:attrName>
+                                        </p:attrNameLst>
+                                      </p:cBhvr>
+                                      <p:to>
+                                        <p:strVal val="visible"/>
+                                      </p:to>
+                                    </p:set>
+                                  </p:childTnLst>
+                                </p:cTn>
+                              </p:par>
+                              <p:par>
+                                <p:cTn id="15" presetID="1" presetClass="entr" presetSubtype="0" fill="hold" grpId="0" nodeType="withEffect">
+                                  <p:stCondLst>
+                                    <p:cond delay="0"/>
+                                  </p:stCondLst>
+                                  <p:childTnLst>
+                                    <p:set>
+                                      <p:cBhvr>
+                                        <p:cTn id="16" dur="1" fill="hold">
+                                          <p:stCondLst>
+                                            <p:cond delay="0"/>
+                                          </p:stCondLst>
+                                        </p:cTn>
+                                        <p:tgtEl>
+                                          <p:spTgt spid="44"/>
+                                        </p:tgtEl>
+                                        <p:attrNameLst>
+                                          <p:attrName>style.visibility</p:attrName>
+                                        </p:attrNameLst>
+                                      </p:cBhvr>
+                                      <p:to>
+                                        <p:strVal val="visible"/>
+                                      </p:to>
+                                    </p:set>
+                                  </p:childTnLst>
+                                </p:cTn>
+                              </p:par>
+                            </p:childTnLst>
+                          </p:cTn>
+                        </p:par>
+                      </p:childTnLst>
+                    </p:cTn>
+                  </p:par>
+                  <p:par>
+                    <p:cTn id="17" fill="hold">
+                      <p:stCondLst>
+                        <p:cond delay="indefinite"/>
+                      </p:stCondLst>
+                      <p:childTnLst>
+                        <p:par>
+                          <p:cTn id="18" fill="hold">
+                            <p:stCondLst>
+                              <p:cond delay="0"/>
+                            </p:stCondLst>
+                            <p:childTnLst>
+                              <p:par>
+                                <p:cTn id="19" presetID="1" presetClass="entr" presetSubtype="0" fill="hold" grpId="0" nodeType="clickEffect">
+                                  <p:stCondLst>
+                                    <p:cond delay="0"/>
+                                  </p:stCondLst>
+                                  <p:childTnLst>
+                                    <p:set>
+                                      <p:cBhvr>
+                                        <p:cTn id="20" dur="1" fill="hold">
+                                          <p:stCondLst>
+                                            <p:cond delay="0"/>
+                                          </p:stCondLst>
+                                        </p:cTn>
+                                        <p:tgtEl>
+                                          <p:spTgt spid="37"/>
+                                        </p:tgtEl>
+                                        <p:attrNameLst>
+                                          <p:attrName>style.visibility</p:attrName>
+                                        </p:attrNameLst>
+                                      </p:cBhvr>
+                                      <p:to>
+                                        <p:strVal val="visible"/>
+                                      </p:to>
+                                    </p:set>
+                                  </p:childTnLst>
+                                </p:cTn>
+                              </p:par>
+                              <p:par>
+                                <p:cTn id="21" presetID="1" presetClass="entr" presetSubtype="0" fill="hold" grpId="0" nodeType="withEffect">
+                                  <p:stCondLst>
+                                    <p:cond delay="0"/>
+                                  </p:stCondLst>
+                                  <p:childTnLst>
+                                    <p:set>
+                                      <p:cBhvr>
+                                        <p:cTn id="22" dur="1" fill="hold">
+                                          <p:stCondLst>
+                                            <p:cond delay="0"/>
+                                          </p:stCondLst>
+                                        </p:cTn>
+                                        <p:tgtEl>
+                                          <p:spTgt spid="38"/>
+                                        </p:tgtEl>
+                                        <p:attrNameLst>
+                                          <p:attrName>style.visibility</p:attrName>
+                                        </p:attrNameLst>
+                                      </p:cBhvr>
+                                      <p:to>
+                                        <p:strVal val="visible"/>
+                                      </p:to>
+                                    </p:set>
+                                  </p:childTnLst>
+                                </p:cTn>
+                              </p:par>
+                              <p:par>
+                                <p:cTn id="23" presetID="1" presetClass="entr" presetSubtype="0" fill="hold" grpId="0" nodeType="withEffect">
+                                  <p:stCondLst>
+                                    <p:cond delay="0"/>
+                                  </p:stCondLst>
+                                  <p:childTnLst>
+                                    <p:set>
+                                      <p:cBhvr>
+                                        <p:cTn id="24" dur="1" fill="hold">
+                                          <p:stCondLst>
+                                            <p:cond delay="0"/>
+                                          </p:stCondLst>
+                                        </p:cTn>
+                                        <p:tgtEl>
+                                          <p:spTgt spid="47"/>
+                                        </p:tgtEl>
+                                        <p:attrNameLst>
+                                          <p:attrName>style.visibility</p:attrName>
+                                        </p:attrNameLst>
+                                      </p:cBhvr>
+                                      <p:to>
+                                        <p:strVal val="visible"/>
+                                      </p:to>
+                                    </p:set>
+                                  </p:childTnLst>
+                                </p:cTn>
+                              </p:par>
+                            </p:childTnLst>
+                          </p:cTn>
+                        </p:par>
+                      </p:childTnLst>
+                    </p:cTn>
+                  </p:par>
+                  <p:par>
+                    <p:cTn id="25" fill="hold">
+                      <p:stCondLst>
+                        <p:cond delay="indefinite"/>
+                      </p:stCondLst>
+                      <p:childTnLst>
+                        <p:par>
+                          <p:cTn id="26" fill="hold">
+                            <p:stCondLst>
+                              <p:cond delay="0"/>
+                            </p:stCondLst>
+                            <p:childTnLst>
+                              <p:par>
+                                <p:cTn id="27" presetID="1" presetClass="entr" presetSubtype="0" fill="hold" nodeType="clickEffect">
+                                  <p:stCondLst>
+                                    <p:cond delay="0"/>
+                                  </p:stCondLst>
+                                  <p:childTnLst>
+                                    <p:set>
+                                      <p:cBhvr>
+                                        <p:cTn id="28" dur="1" fill="hold">
+                                          <p:stCondLst>
+                                            <p:cond delay="0"/>
+                                          </p:stCondLst>
+                                        </p:cTn>
+                                        <p:tgtEl>
+                                          <p:spTgt spid="26"/>
+                                        </p:tgtEl>
+                                        <p:attrNameLst>
+                                          <p:attrName>style.visibility</p:attrName>
+                                        </p:attrNameLst>
+                                      </p:cBhvr>
+                                      <p:to>
+                                        <p:strVal val="visible"/>
+                                      </p:to>
+                                    </p:set>
+                                  </p:childTnLst>
+                                </p:cTn>
+                              </p:par>
+                              <p:par>
+                                <p:cTn id="29" presetID="1" presetClass="entr" presetSubtype="0" fill="hold" grpId="0" nodeType="withEffect">
+                                  <p:stCondLst>
+                                    <p:cond delay="0"/>
+                                  </p:stCondLst>
+                                  <p:childTnLst>
+                                    <p:set>
+                                      <p:cBhvr>
+                                        <p:cTn id="30" dur="1" fill="hold">
+                                          <p:stCondLst>
+                                            <p:cond delay="0"/>
+                                          </p:stCondLst>
+                                        </p:cTn>
+                                        <p:tgtEl>
+                                          <p:spTgt spid="28"/>
+                                        </p:tgtEl>
+                                        <p:attrNameLst>
+                                          <p:attrName>style.visibility</p:attrName>
+                                        </p:attrNameLst>
+                                      </p:cBhvr>
+                                      <p:to>
+                                        <p:strVal val="visible"/>
+                                      </p:to>
+                                    </p:set>
+                                  </p:childTnLst>
+                                </p:cTn>
+                              </p:par>
+                            </p:childTnLst>
+                          </p:cTn>
+                        </p:par>
+                      </p:childTnLst>
+                    </p:cTn>
+                  </p:par>
+                  <p:par>
+                    <p:cTn id="31" fill="hold">
+                      <p:stCondLst>
+                        <p:cond delay="indefinite"/>
+                      </p:stCondLst>
+                      <p:childTnLst>
+                        <p:par>
+                          <p:cTn id="32" fill="hold">
+                            <p:stCondLst>
+                              <p:cond delay="0"/>
+                            </p:stCondLst>
+                            <p:childTnLst>
+                              <p:par>
+                                <p:cTn id="33" presetID="1" presetClass="entr" presetSubtype="0" fill="hold" grpId="0" nodeType="clickEffect">
+                                  <p:stCondLst>
+                                    <p:cond delay="0"/>
+                                  </p:stCondLst>
+                                  <p:childTnLst>
+                                    <p:set>
+                                      <p:cBhvr>
+                                        <p:cTn id="34" dur="1" fill="hold">
+                                          <p:stCondLst>
+                                            <p:cond delay="0"/>
+                                          </p:stCondLst>
+                                        </p:cTn>
+                                        <p:tgtEl>
+                                          <p:spTgt spid="20"/>
+                                        </p:tgtEl>
+                                        <p:attrNameLst>
+                                          <p:attrName>style.visibility</p:attrName>
+                                        </p:attrNameLst>
+                                      </p:cBhvr>
+                                      <p:to>
+                                        <p:strVal val="visible"/>
+                                      </p:to>
+                                    </p:set>
+                                  </p:childTnLst>
+                                </p:cTn>
+                              </p:par>
+                              <p:par>
+                                <p:cTn id="35" presetID="1" presetClass="entr" presetSubtype="0" fill="hold" grpId="0" nodeType="withEffect">
+                                  <p:stCondLst>
+                                    <p:cond delay="0"/>
+                                  </p:stCondLst>
+                                  <p:childTnLst>
+                                    <p:set>
+                                      <p:cBhvr>
+                                        <p:cTn id="36" dur="1" fill="hold">
+                                          <p:stCondLst>
+                                            <p:cond delay="0"/>
+                                          </p:stCondLst>
+                                        </p:cTn>
+                                        <p:tgtEl>
+                                          <p:spTgt spid="21"/>
+                                        </p:tgtEl>
+                                        <p:attrNameLst>
+                                          <p:attrName>style.visibility</p:attrName>
+                                        </p:attrNameLst>
+                                      </p:cBhvr>
+                                      <p:to>
+                                        <p:strVal val="visible"/>
+                                      </p:to>
+                                    </p:set>
+                                  </p:childTnLst>
+                                </p:cTn>
+                              </p:par>
+                            </p:childTnLst>
+                          </p:cTn>
+                        </p:par>
+                      </p:childTnLst>
+                    </p:cTn>
+                  </p:par>
+                  <p:par>
+                    <p:cTn id="37" fill="hold">
+                      <p:stCondLst>
+                        <p:cond delay="indefinite"/>
+                      </p:stCondLst>
+                      <p:childTnLst>
+                        <p:par>
+                          <p:cTn id="38" fill="hold">
+                            <p:stCondLst>
+                              <p:cond delay="0"/>
+                            </p:stCondLst>
+                            <p:childTnLst>
+                              <p:par>
+                                <p:cTn id="39" presetID="1" presetClass="entr" presetSubtype="0" fill="hold" grpId="0" nodeType="clickEffect">
+                                  <p:stCondLst>
+                                    <p:cond delay="0"/>
+                                  </p:stCondLst>
+                                  <p:childTnLst>
+                                    <p:set>
+                                      <p:cBhvr>
+                                        <p:cTn id="40" dur="1" fill="hold">
+                                          <p:stCondLst>
+                                            <p:cond delay="0"/>
+                                          </p:stCondLst>
+                                        </p:cTn>
+                                        <p:tgtEl>
+                                          <p:spTgt spid="29"/>
+                                        </p:tgtEl>
+                                        <p:attrNameLst>
+                                          <p:attrName>style.visibility</p:attrName>
+                                        </p:attrNameLst>
+                                      </p:cBhvr>
+                                      <p:to>
+                                        <p:strVal val="visible"/>
+                                      </p:to>
+                                    </p:set>
+                                  </p:childTnLst>
+                                </p:cTn>
+                              </p:par>
+                              <p:par>
+                                <p:cTn id="41" presetID="1" presetClass="entr" presetSubtype="0" fill="hold" nodeType="withEffect">
+                                  <p:stCondLst>
+                                    <p:cond delay="0"/>
+                                  </p:stCondLst>
+                                  <p:childTnLst>
+                                    <p:set>
+                                      <p:cBhvr>
+                                        <p:cTn id="42" dur="1" fill="hold">
+                                          <p:stCondLst>
+                                            <p:cond delay="0"/>
+                                          </p:stCondLst>
+                                        </p:cTn>
+                                        <p:tgtEl>
+                                          <p:spTgt spid="60"/>
+                                        </p:tgtEl>
+                                        <p:attrNameLst>
+                                          <p:attrName>style.visibility</p:attrName>
+                                        </p:attrNameLst>
+                                      </p:cBhvr>
+                                      <p:to>
+                                        <p:strVal val="visible"/>
+                                      </p:to>
+                                    </p:set>
+                                  </p:childTnLst>
+                                </p:cTn>
+                              </p:par>
+                            </p:childTnLst>
+                          </p:cTn>
+                        </p:par>
+                      </p:childTnLst>
+                    </p:cTn>
+                  </p:par>
+                  <p:par>
+                    <p:cTn id="43" fill="hold">
+                      <p:stCondLst>
+                        <p:cond delay="indefinite"/>
+                      </p:stCondLst>
+                      <p:childTnLst>
+                        <p:par>
+                          <p:cTn id="44" fill="hold">
+                            <p:stCondLst>
+                              <p:cond delay="0"/>
+                            </p:stCondLst>
+                            <p:childTnLst>
+                              <p:par>
+                                <p:cTn id="45" presetID="1" presetClass="entr" presetSubtype="0" fill="hold" nodeType="clickEffect">
+                                  <p:stCondLst>
+                                    <p:cond delay="0"/>
+                                  </p:stCondLst>
+                                  <p:childTnLst>
+                                    <p:set>
+                                      <p:cBhvr>
+                                        <p:cTn id="46" dur="1" fill="hold">
+                                          <p:stCondLst>
+                                            <p:cond delay="0"/>
+                                          </p:stCondLst>
+                                        </p:cTn>
+                                        <p:tgtEl>
+                                          <p:spTgt spid="56"/>
+                                        </p:tgtEl>
+                                        <p:attrNameLst>
+                                          <p:attrName>style.visibility</p:attrName>
+                                        </p:attrNameLst>
+                                      </p:cBhvr>
+                                      <p:to>
+                                        <p:strVal val="visible"/>
+                                      </p:to>
+                                    </p:set>
+                                  </p:childTnLst>
+                                </p:cTn>
+                              </p:par>
+                              <p:par>
+                                <p:cTn id="47" presetID="1" presetClass="entr" presetSubtype="0" fill="hold" grpId="0" nodeType="withEffect">
+                                  <p:stCondLst>
+                                    <p:cond delay="0"/>
+                                  </p:stCondLst>
+                                  <p:childTnLst>
+                                    <p:set>
+                                      <p:cBhvr>
+                                        <p:cTn id="48" dur="1" fill="hold">
+                                          <p:stCondLst>
+                                            <p:cond delay="0"/>
+                                          </p:stCondLst>
+                                        </p:cTn>
+                                        <p:tgtEl>
+                                          <p:spTgt spid="32"/>
+                                        </p:tgtEl>
+                                        <p:attrNameLst>
+                                          <p:attrName>style.visibility</p:attrName>
+                                        </p:attrNameLst>
+                                      </p:cBhvr>
+                                      <p:to>
+                                        <p:strVal val="visible"/>
+                                      </p:to>
+                                    </p:set>
+                                  </p:childTnLst>
+                                </p:cTn>
+                              </p:par>
+                            </p:childTnLst>
+                          </p:cTn>
+                        </p:par>
+                      </p:childTnLst>
+                    </p:cTn>
+                  </p:par>
+                  <p:par>
+                    <p:cTn id="49" fill="hold">
+                      <p:stCondLst>
+                        <p:cond delay="indefinite"/>
+                      </p:stCondLst>
+                      <p:childTnLst>
+                        <p:par>
+                          <p:cTn id="50" fill="hold">
+                            <p:stCondLst>
+                              <p:cond delay="0"/>
+                            </p:stCondLst>
+                            <p:childTnLst>
+                              <p:par>
+                                <p:cTn id="51" presetID="1" presetClass="entr" presetSubtype="0" fill="hold" grpId="0" nodeType="clickEffect">
+                                  <p:stCondLst>
+                                    <p:cond delay="0"/>
+                                  </p:stCondLst>
+                                  <p:childTnLst>
+                                    <p:set>
+                                      <p:cBhvr>
+                                        <p:cTn id="52" dur="1" fill="hold">
+                                          <p:stCondLst>
+                                            <p:cond delay="0"/>
+                                          </p:stCondLst>
+                                        </p:cTn>
+                                        <p:tgtEl>
+                                          <p:spTgt spid="24"/>
+                                        </p:tgtEl>
+                                        <p:attrNameLst>
+                                          <p:attrName>style.visibility</p:attrName>
+                                        </p:attrNameLst>
+                                      </p:cBhvr>
+                                      <p:to>
+                                        <p:strVal val="visible"/>
+                                      </p:to>
+                                    </p:set>
+                                  </p:childTnLst>
+                                </p:cTn>
+                              </p:par>
+                            </p:childTnLst>
+                          </p:cTn>
+                        </p:par>
+                      </p:childTnLst>
+                    </p:cTn>
+                  </p:par>
+                </p:childTnLst>
+              </p:cTn>
+              <p:prevCondLst>
+                <p:cond evt="onPrev" delay="0">
+                  <p:tgtEl>
+                    <p:sldTgt/>
+                  </p:tgtEl>
+                </p:cond>
+              </p:prevCondLst>
+              <p:nextCondLst>
+                <p:cond evt="onNext" delay="0">
+                  <p:tgtEl>
+                    <p:sldTgt/>
+                  </p:tgtEl>
+                </p:cond>
+              </p:nextCondLst>
+            </p:seq>
+          </p:childTnLst>
+        </p:cTn>
+      </p:par>
+    </p:tnLst>
+    <p:bldLst>
+      <p:bldP spid="33" grpId="0" animBg="1"/>
+      <p:bldP spid="16" grpId="0" animBg="1"/>
+      <p:bldP spid="17" grpId="0"/>
+      <p:bldP spid="37" grpId="0"/>
+      <p:bldP spid="38" grpId="0" animBg="1"/>
+      <p:bldP spid="20" grpId="0" animBg="1"/>
+      <p:bldP spid="21" grpId="0"/>
+      <p:bldP spid="22" grpId="0"/>
+      <p:bldP spid="44" grpId="0"/>
+      <p:bldP spid="47" grpId="0"/>
+      <p:bldP spid="24" grpId="0"/>
+      <p:bldP spid="28" grpId="0"/>
+      <p:bldP spid="29" grpId="0"/>
+      <p:bldP spid="32" grpId="0"/>
+    </p:bldLst>
+  </p:timing>
 </p:sld>
 </file>
 
@@ -27932,59 +30792,40 @@
           </a:p>
         </p:txBody>
       </p:sp>
-      <p:sp>
-        <p:nvSpPr>
-          <p:cNvPr id="41" name="TextBox 40"/>
-          <p:cNvSpPr txBox="1"/>
+      <p:pic>
+        <p:nvPicPr>
+          <p:cNvPr id="2" name="Picture 1">
+            <a:extLst>
+              <a:ext uri="{FF2B5EF4-FFF2-40B4-BE49-F238E27FC236}">
+                <a16:creationId xmlns:a16="http://schemas.microsoft.com/office/drawing/2014/main" id="{E4E8788A-F852-4B90-9D7B-6A1E61CEC71E}"/>
+              </a:ext>
+            </a:extLst>
+          </p:cNvPr>
+          <p:cNvPicPr>
+            <a:picLocks noChangeAspect="1"/>
+          </p:cNvPicPr>
           <p:nvPr/>
-        </p:nvSpPr>
+        </p:nvPicPr>
+        <p:blipFill>
+          <a:blip r:embed="rId3"/>
+          <a:stretch>
+            <a:fillRect/>
+          </a:stretch>
+        </p:blipFill>
         <p:spPr>
           <a:xfrm>
-            <a:off x="0" y="6546821"/>
-            <a:ext cx="5676875" cy="400110"/>
+            <a:off x="692922" y="259764"/>
+            <a:ext cx="10806155" cy="6338472"/>
           </a:xfrm>
           <a:prstGeom prst="rect">
             <a:avLst/>
           </a:prstGeom>
-          <a:noFill/>
         </p:spPr>
-        <p:txBody>
-          <a:bodyPr wrap="none" rtlCol="0">
-            <a:spAutoFit/>
-          </a:bodyPr>
-          <a:lstStyle/>
-          <a:p>
-            <a:pPr fontAlgn="base">
-              <a:spcBef>
-                <a:spcPct val="0"/>
-              </a:spcBef>
-              <a:spcAft>
-                <a:spcPct val="0"/>
-              </a:spcAft>
-            </a:pPr>
-            <a:r>
-              <a:rPr lang="en-US" sz="2000" i="1" dirty="0">
-                <a:solidFill>
-                  <a:srgbClr val="CC66FF"/>
-                </a:solidFill>
-                <a:effectLst>
-                  <a:outerShdw blurRad="38100" dist="38100" dir="2700000" algn="tl">
-                    <a:srgbClr val="000000">
-                      <a:alpha val="43137"/>
-                    </a:srgbClr>
-                  </a:outerShdw>
-                </a:effectLst>
-                <a:latin typeface="Times New Roman" pitchFamily="16" charset="0"/>
-              </a:rPr>
-              <a:t>UCSD Data visualization Bootcamp, DATA20180619</a:t>
-            </a:r>
-          </a:p>
-        </p:txBody>
-      </p:sp>
+      </p:pic>
     </p:spTree>
     <p:extLst>
       <p:ext uri="{BB962C8B-B14F-4D97-AF65-F5344CB8AC3E}">
-        <p14:creationId xmlns:p14="http://schemas.microsoft.com/office/powerpoint/2010/main" val="400684444"/>
+        <p14:creationId xmlns:p14="http://schemas.microsoft.com/office/powerpoint/2010/main" val="3058215153"/>
       </p:ext>
     </p:extLst>
   </p:cSld>
@@ -28182,7 +31023,7 @@
     </p:spTree>
     <p:extLst>
       <p:ext uri="{BB962C8B-B14F-4D97-AF65-F5344CB8AC3E}">
-        <p14:creationId xmlns:p14="http://schemas.microsoft.com/office/powerpoint/2010/main" val="1479617165"/>
+        <p14:creationId xmlns:p14="http://schemas.microsoft.com/office/powerpoint/2010/main" val="400684444"/>
       </p:ext>
     </p:extLst>
   </p:cSld>
@@ -28380,6 +31221,204 @@
     </p:spTree>
     <p:extLst>
       <p:ext uri="{BB962C8B-B14F-4D97-AF65-F5344CB8AC3E}">
+        <p14:creationId xmlns:p14="http://schemas.microsoft.com/office/powerpoint/2010/main" val="1479617165"/>
+      </p:ext>
+    </p:extLst>
+  </p:cSld>
+  <p:clrMapOvr>
+    <a:masterClrMapping/>
+  </p:clrMapOvr>
+  <p:transition spd="med"/>
+</p:sld>
+</file>
+
+<file path=ppt/slides/slide8.xml><?xml version="1.0" encoding="utf-8"?>
+<p:sld xmlns:a="http://schemas.openxmlformats.org/drawingml/2006/main" xmlns:r="http://schemas.openxmlformats.org/officeDocument/2006/relationships" xmlns:p="http://schemas.openxmlformats.org/presentationml/2006/main">
+  <p:cSld>
+    <p:spTree>
+      <p:nvGrpSpPr>
+        <p:cNvPr id="1" name=""/>
+        <p:cNvGrpSpPr/>
+        <p:nvPr/>
+      </p:nvGrpSpPr>
+      <p:grpSpPr>
+        <a:xfrm>
+          <a:off x="0" y="0"/>
+          <a:ext cx="0" cy="0"/>
+          <a:chOff x="0" y="0"/>
+          <a:chExt cx="0" cy="0"/>
+        </a:xfrm>
+      </p:grpSpPr>
+      <p:sp>
+        <p:nvSpPr>
+          <p:cNvPr id="244754" name="Rectangle 18"/>
+          <p:cNvSpPr>
+            <a:spLocks noChangeArrowheads="1"/>
+          </p:cNvSpPr>
+          <p:nvPr/>
+        </p:nvSpPr>
+        <p:spPr bwMode="auto">
+          <a:xfrm>
+            <a:off x="7362825" y="6213476"/>
+            <a:ext cx="184720" cy="584771"/>
+          </a:xfrm>
+          <a:prstGeom prst="rect">
+            <a:avLst/>
+          </a:prstGeom>
+          <a:noFill/>
+          <a:ln w="9525">
+            <a:noFill/>
+            <a:miter lim="800000"/>
+            <a:headEnd/>
+            <a:tailEnd/>
+          </a:ln>
+          <a:effectLst>
+            <a:outerShdw dist="35921" dir="2700000" algn="ctr" rotWithShape="0">
+              <a:schemeClr val="bg2"/>
+            </a:outerShdw>
+          </a:effectLst>
+        </p:spPr>
+        <p:txBody>
+          <a:bodyPr wrap="none" lIns="91435" tIns="45718" rIns="91435" bIns="45718">
+            <a:spAutoFit/>
+          </a:bodyPr>
+          <a:lstStyle/>
+          <a:p>
+            <a:pPr eaLnBrk="0" fontAlgn="base" hangingPunct="0">
+              <a:spcBef>
+                <a:spcPct val="0"/>
+              </a:spcBef>
+              <a:spcAft>
+                <a:spcPct val="0"/>
+              </a:spcAft>
+              <a:defRPr/>
+            </a:pPr>
+            <a:endParaRPr lang="en-US" sz="3200" b="1">
+              <a:solidFill>
+                <a:srgbClr val="FFFFFF"/>
+              </a:solidFill>
+              <a:effectLst>
+                <a:outerShdw blurRad="38100" dist="38100" dir="2700000" algn="tl">
+                  <a:srgbClr val="000000"/>
+                </a:outerShdw>
+              </a:effectLst>
+              <a:latin typeface="Times New Roman" pitchFamily="18" charset="0"/>
+              <a:cs typeface="Times New Roman" pitchFamily="18" charset="0"/>
+            </a:endParaRPr>
+          </a:p>
+        </p:txBody>
+      </p:sp>
+      <p:sp>
+        <p:nvSpPr>
+          <p:cNvPr id="244755" name="Rectangle 19"/>
+          <p:cNvSpPr>
+            <a:spLocks noChangeArrowheads="1"/>
+          </p:cNvSpPr>
+          <p:nvPr/>
+        </p:nvSpPr>
+        <p:spPr bwMode="auto">
+          <a:xfrm>
+            <a:off x="8140700" y="6746876"/>
+            <a:ext cx="184720" cy="461661"/>
+          </a:xfrm>
+          <a:prstGeom prst="rect">
+            <a:avLst/>
+          </a:prstGeom>
+          <a:noFill/>
+          <a:ln w="9525">
+            <a:noFill/>
+            <a:miter lim="800000"/>
+            <a:headEnd/>
+            <a:tailEnd/>
+          </a:ln>
+          <a:effectLst>
+            <a:outerShdw dist="35921" dir="2700000" algn="ctr" rotWithShape="0">
+              <a:schemeClr val="bg2"/>
+            </a:outerShdw>
+          </a:effectLst>
+        </p:spPr>
+        <p:txBody>
+          <a:bodyPr wrap="none" lIns="91435" tIns="45718" rIns="91435" bIns="45718">
+            <a:spAutoFit/>
+          </a:bodyPr>
+          <a:lstStyle/>
+          <a:p>
+            <a:pPr eaLnBrk="0" fontAlgn="base" hangingPunct="0">
+              <a:spcBef>
+                <a:spcPct val="0"/>
+              </a:spcBef>
+              <a:spcAft>
+                <a:spcPct val="0"/>
+              </a:spcAft>
+              <a:defRPr/>
+            </a:pPr>
+            <a:endParaRPr lang="en-US" sz="2400" b="1">
+              <a:solidFill>
+                <a:srgbClr val="FFFFFF"/>
+              </a:solidFill>
+              <a:effectLst>
+                <a:outerShdw blurRad="38100" dist="38100" dir="2700000" algn="tl">
+                  <a:srgbClr val="000000"/>
+                </a:outerShdw>
+              </a:effectLst>
+              <a:latin typeface="Times New Roman" pitchFamily="18" charset="0"/>
+              <a:cs typeface="Times New Roman" pitchFamily="18" charset="0"/>
+            </a:endParaRPr>
+          </a:p>
+        </p:txBody>
+      </p:sp>
+      <p:sp>
+        <p:nvSpPr>
+          <p:cNvPr id="41" name="TextBox 40"/>
+          <p:cNvSpPr txBox="1"/>
+          <p:nvPr/>
+        </p:nvSpPr>
+        <p:spPr>
+          <a:xfrm>
+            <a:off x="0" y="6546821"/>
+            <a:ext cx="5676875" cy="400110"/>
+          </a:xfrm>
+          <a:prstGeom prst="rect">
+            <a:avLst/>
+          </a:prstGeom>
+          <a:noFill/>
+        </p:spPr>
+        <p:txBody>
+          <a:bodyPr wrap="none" rtlCol="0">
+            <a:spAutoFit/>
+          </a:bodyPr>
+          <a:lstStyle/>
+          <a:p>
+            <a:pPr fontAlgn="base">
+              <a:spcBef>
+                <a:spcPct val="0"/>
+              </a:spcBef>
+              <a:spcAft>
+                <a:spcPct val="0"/>
+              </a:spcAft>
+            </a:pPr>
+            <a:r>
+              <a:rPr lang="en-US" sz="2000" i="1" dirty="0">
+                <a:solidFill>
+                  <a:srgbClr val="CC66FF"/>
+                </a:solidFill>
+                <a:effectLst>
+                  <a:outerShdw blurRad="38100" dist="38100" dir="2700000" algn="tl">
+                    <a:srgbClr val="000000">
+                      <a:alpha val="43137"/>
+                    </a:srgbClr>
+                  </a:outerShdw>
+                </a:effectLst>
+                <a:latin typeface="Times New Roman" pitchFamily="16" charset="0"/>
+              </a:rPr>
+              <a:t>UCSD Data visualization Bootcamp, DATA20180619</a:t>
+            </a:r>
+          </a:p>
+        </p:txBody>
+      </p:sp>
+    </p:spTree>
+    <p:extLst>
+      <p:ext uri="{BB962C8B-B14F-4D97-AF65-F5344CB8AC3E}">
         <p14:creationId xmlns:p14="http://schemas.microsoft.com/office/powerpoint/2010/main" val="2380851136"/>
       </p:ext>
     </p:extLst>
@@ -28391,7 +31430,7 @@
 </p:sld>
 </file>
 
-<file path=ppt/slides/slide8.xml><?xml version="1.0" encoding="utf-8"?>
+<file path=ppt/slides/slide9.xml><?xml version="1.0" encoding="utf-8"?>
 <p:sld xmlns:a="http://schemas.openxmlformats.org/drawingml/2006/main" xmlns:r="http://schemas.openxmlformats.org/officeDocument/2006/relationships" xmlns:p="http://schemas.openxmlformats.org/presentationml/2006/main">
   <p:cSld>
     <p:spTree>
@@ -28832,471 +31871,6 @@
     <p:extLst>
       <p:ext uri="{BB962C8B-B14F-4D97-AF65-F5344CB8AC3E}">
         <p14:creationId xmlns:p14="http://schemas.microsoft.com/office/powerpoint/2010/main" val="3692878593"/>
-      </p:ext>
-    </p:extLst>
-  </p:cSld>
-  <p:clrMapOvr>
-    <a:masterClrMapping/>
-  </p:clrMapOvr>
-  <p:transition spd="med"/>
-</p:sld>
-</file>
-
-<file path=ppt/slides/slide9.xml><?xml version="1.0" encoding="utf-8"?>
-<p:sld xmlns:a="http://schemas.openxmlformats.org/drawingml/2006/main" xmlns:r="http://schemas.openxmlformats.org/officeDocument/2006/relationships" xmlns:p="http://schemas.openxmlformats.org/presentationml/2006/main">
-  <p:cSld>
-    <p:spTree>
-      <p:nvGrpSpPr>
-        <p:cNvPr id="1" name=""/>
-        <p:cNvGrpSpPr/>
-        <p:nvPr/>
-      </p:nvGrpSpPr>
-      <p:grpSpPr>
-        <a:xfrm>
-          <a:off x="0" y="0"/>
-          <a:ext cx="0" cy="0"/>
-          <a:chOff x="0" y="0"/>
-          <a:chExt cx="0" cy="0"/>
-        </a:xfrm>
-      </p:grpSpPr>
-      <p:sp>
-        <p:nvSpPr>
-          <p:cNvPr id="244754" name="Rectangle 18"/>
-          <p:cNvSpPr>
-            <a:spLocks noChangeArrowheads="1"/>
-          </p:cNvSpPr>
-          <p:nvPr/>
-        </p:nvSpPr>
-        <p:spPr bwMode="auto">
-          <a:xfrm>
-            <a:off x="7362825" y="6213476"/>
-            <a:ext cx="184720" cy="584771"/>
-          </a:xfrm>
-          <a:prstGeom prst="rect">
-            <a:avLst/>
-          </a:prstGeom>
-          <a:noFill/>
-          <a:ln w="9525">
-            <a:noFill/>
-            <a:miter lim="800000"/>
-            <a:headEnd/>
-            <a:tailEnd/>
-          </a:ln>
-          <a:effectLst>
-            <a:outerShdw dist="35921" dir="2700000" algn="ctr" rotWithShape="0">
-              <a:schemeClr val="bg2"/>
-            </a:outerShdw>
-          </a:effectLst>
-        </p:spPr>
-        <p:txBody>
-          <a:bodyPr wrap="none" lIns="91435" tIns="45718" rIns="91435" bIns="45718">
-            <a:spAutoFit/>
-          </a:bodyPr>
-          <a:lstStyle/>
-          <a:p>
-            <a:pPr eaLnBrk="0" fontAlgn="base" hangingPunct="0">
-              <a:spcBef>
-                <a:spcPct val="0"/>
-              </a:spcBef>
-              <a:spcAft>
-                <a:spcPct val="0"/>
-              </a:spcAft>
-              <a:defRPr/>
-            </a:pPr>
-            <a:endParaRPr lang="en-US" sz="3200" b="1">
-              <a:solidFill>
-                <a:srgbClr val="FFFFFF"/>
-              </a:solidFill>
-              <a:effectLst>
-                <a:outerShdw blurRad="38100" dist="38100" dir="2700000" algn="tl">
-                  <a:srgbClr val="000000"/>
-                </a:outerShdw>
-              </a:effectLst>
-              <a:latin typeface="Times New Roman" pitchFamily="18" charset="0"/>
-              <a:cs typeface="Times New Roman" pitchFamily="18" charset="0"/>
-            </a:endParaRPr>
-          </a:p>
-        </p:txBody>
-      </p:sp>
-      <p:sp>
-        <p:nvSpPr>
-          <p:cNvPr id="244755" name="Rectangle 19"/>
-          <p:cNvSpPr>
-            <a:spLocks noChangeArrowheads="1"/>
-          </p:cNvSpPr>
-          <p:nvPr/>
-        </p:nvSpPr>
-        <p:spPr bwMode="auto">
-          <a:xfrm>
-            <a:off x="8140700" y="6746876"/>
-            <a:ext cx="184720" cy="461661"/>
-          </a:xfrm>
-          <a:prstGeom prst="rect">
-            <a:avLst/>
-          </a:prstGeom>
-          <a:noFill/>
-          <a:ln w="9525">
-            <a:noFill/>
-            <a:miter lim="800000"/>
-            <a:headEnd/>
-            <a:tailEnd/>
-          </a:ln>
-          <a:effectLst>
-            <a:outerShdw dist="35921" dir="2700000" algn="ctr" rotWithShape="0">
-              <a:schemeClr val="bg2"/>
-            </a:outerShdw>
-          </a:effectLst>
-        </p:spPr>
-        <p:txBody>
-          <a:bodyPr wrap="none" lIns="91435" tIns="45718" rIns="91435" bIns="45718">
-            <a:spAutoFit/>
-          </a:bodyPr>
-          <a:lstStyle/>
-          <a:p>
-            <a:pPr eaLnBrk="0" fontAlgn="base" hangingPunct="0">
-              <a:spcBef>
-                <a:spcPct val="0"/>
-              </a:spcBef>
-              <a:spcAft>
-                <a:spcPct val="0"/>
-              </a:spcAft>
-              <a:defRPr/>
-            </a:pPr>
-            <a:endParaRPr lang="en-US" sz="2400" b="1">
-              <a:solidFill>
-                <a:srgbClr val="FFFFFF"/>
-              </a:solidFill>
-              <a:effectLst>
-                <a:outerShdw blurRad="38100" dist="38100" dir="2700000" algn="tl">
-                  <a:srgbClr val="000000"/>
-                </a:outerShdw>
-              </a:effectLst>
-              <a:latin typeface="Times New Roman" pitchFamily="18" charset="0"/>
-              <a:cs typeface="Times New Roman" pitchFamily="18" charset="0"/>
-            </a:endParaRPr>
-          </a:p>
-        </p:txBody>
-      </p:sp>
-      <p:sp>
-        <p:nvSpPr>
-          <p:cNvPr id="41" name="TextBox 40"/>
-          <p:cNvSpPr txBox="1"/>
-          <p:nvPr/>
-        </p:nvSpPr>
-        <p:spPr>
-          <a:xfrm>
-            <a:off x="0" y="6546821"/>
-            <a:ext cx="5676875" cy="400110"/>
-          </a:xfrm>
-          <a:prstGeom prst="rect">
-            <a:avLst/>
-          </a:prstGeom>
-          <a:noFill/>
-        </p:spPr>
-        <p:txBody>
-          <a:bodyPr wrap="none" rtlCol="0">
-            <a:spAutoFit/>
-          </a:bodyPr>
-          <a:lstStyle/>
-          <a:p>
-            <a:pPr fontAlgn="base">
-              <a:spcBef>
-                <a:spcPct val="0"/>
-              </a:spcBef>
-              <a:spcAft>
-                <a:spcPct val="0"/>
-              </a:spcAft>
-            </a:pPr>
-            <a:r>
-              <a:rPr lang="en-US" sz="2000" i="1" dirty="0">
-                <a:solidFill>
-                  <a:srgbClr val="CC66FF"/>
-                </a:solidFill>
-                <a:effectLst>
-                  <a:outerShdw blurRad="38100" dist="38100" dir="2700000" algn="tl">
-                    <a:srgbClr val="000000">
-                      <a:alpha val="43137"/>
-                    </a:srgbClr>
-                  </a:outerShdw>
-                </a:effectLst>
-                <a:latin typeface="Times New Roman" pitchFamily="16" charset="0"/>
-              </a:rPr>
-              <a:t>UCSD Data visualization Bootcamp, DATA20180619</a:t>
-            </a:r>
-          </a:p>
-        </p:txBody>
-      </p:sp>
-      <p:sp>
-        <p:nvSpPr>
-          <p:cNvPr id="17" name="Rectangle 16">
-            <a:extLst>
-              <a:ext uri="{FF2B5EF4-FFF2-40B4-BE49-F238E27FC236}">
-                <a16:creationId xmlns:a16="http://schemas.microsoft.com/office/drawing/2014/main" id="{EFA59C7A-D5E8-4306-8B39-13CF1D2A4D04}"/>
-              </a:ext>
-            </a:extLst>
-          </p:cNvPr>
-          <p:cNvSpPr/>
-          <p:nvPr/>
-        </p:nvSpPr>
-        <p:spPr>
-          <a:xfrm>
-            <a:off x="709554" y="172062"/>
-            <a:ext cx="11159479" cy="646331"/>
-          </a:xfrm>
-          <a:prstGeom prst="rect">
-            <a:avLst/>
-          </a:prstGeom>
-        </p:spPr>
-        <p:txBody>
-          <a:bodyPr wrap="square">
-            <a:spAutoFit/>
-          </a:bodyPr>
-          <a:lstStyle/>
-          <a:p>
-            <a:r>
-              <a:rPr lang="en-US" dirty="0">
-                <a:latin typeface="Arial" panose="020B0604020202020204" pitchFamily="34" charset="0"/>
-                <a:cs typeface="Arial" panose="020B0604020202020204" pitchFamily="34" charset="0"/>
-              </a:rPr>
-              <a:t>Fig. 1. The PM</a:t>
-            </a:r>
-            <a:r>
-              <a:rPr lang="en-US" baseline="-25000" dirty="0">
-                <a:latin typeface="Arial" panose="020B0604020202020204" pitchFamily="34" charset="0"/>
-                <a:cs typeface="Arial" panose="020B0604020202020204" pitchFamily="34" charset="0"/>
-              </a:rPr>
-              <a:t>2.5</a:t>
-            </a:r>
-            <a:r>
-              <a:rPr lang="en-US" dirty="0">
-                <a:latin typeface="Arial" panose="020B0604020202020204" pitchFamily="34" charset="0"/>
-                <a:cs typeface="Arial" panose="020B0604020202020204" pitchFamily="34" charset="0"/>
-              </a:rPr>
-              <a:t> concentrations in ambient air across the state of California (2011-2016) and asthma rates per 10,000 individuals admitted during this time. Red squares: &lt;18yr,  blue squares:  &gt;18yr </a:t>
-            </a:r>
-          </a:p>
-        </p:txBody>
-      </p:sp>
-      <p:pic>
-        <p:nvPicPr>
-          <p:cNvPr id="3" name="Picture 2" descr="A picture containing sky&#10;&#10;Description generated with very high confidence">
-            <a:extLst>
-              <a:ext uri="{FF2B5EF4-FFF2-40B4-BE49-F238E27FC236}">
-                <a16:creationId xmlns:a16="http://schemas.microsoft.com/office/drawing/2014/main" id="{2A6459AD-C134-41A4-A6B9-0194892B0D85}"/>
-              </a:ext>
-            </a:extLst>
-          </p:cNvPr>
-          <p:cNvPicPr>
-            <a:picLocks noChangeAspect="1"/>
-          </p:cNvPicPr>
-          <p:nvPr/>
-        </p:nvPicPr>
-        <p:blipFill>
-          <a:blip r:embed="rId3">
-            <a:extLst>
-              <a:ext uri="{28A0092B-C50C-407E-A947-70E740481C1C}">
-                <a14:useLocalDpi xmlns:a14="http://schemas.microsoft.com/office/drawing/2010/main" val="0"/>
-              </a:ext>
-            </a:extLst>
-          </a:blip>
-          <a:stretch>
-            <a:fillRect/>
-          </a:stretch>
-        </p:blipFill>
-        <p:spPr>
-          <a:xfrm>
-            <a:off x="428067" y="1077499"/>
-            <a:ext cx="3364581" cy="2706394"/>
-          </a:xfrm>
-          <a:prstGeom prst="rect">
-            <a:avLst/>
-          </a:prstGeom>
-        </p:spPr>
-      </p:pic>
-      <p:pic>
-        <p:nvPicPr>
-          <p:cNvPr id="5" name="Picture 4" descr="A screenshot of a cell phone&#10;&#10;Description generated with high confidence">
-            <a:extLst>
-              <a:ext uri="{FF2B5EF4-FFF2-40B4-BE49-F238E27FC236}">
-                <a16:creationId xmlns:a16="http://schemas.microsoft.com/office/drawing/2014/main" id="{7454A2B2-352E-4262-B6FE-9886431A8A54}"/>
-              </a:ext>
-            </a:extLst>
-          </p:cNvPr>
-          <p:cNvPicPr>
-            <a:picLocks noChangeAspect="1"/>
-          </p:cNvPicPr>
-          <p:nvPr/>
-        </p:nvPicPr>
-        <p:blipFill>
-          <a:blip r:embed="rId4">
-            <a:extLst>
-              <a:ext uri="{28A0092B-C50C-407E-A947-70E740481C1C}">
-                <a14:useLocalDpi xmlns:a14="http://schemas.microsoft.com/office/drawing/2010/main" val="0"/>
-              </a:ext>
-            </a:extLst>
-          </a:blip>
-          <a:stretch>
-            <a:fillRect/>
-          </a:stretch>
-        </p:blipFill>
-        <p:spPr>
-          <a:xfrm>
-            <a:off x="456519" y="3916401"/>
-            <a:ext cx="3307676" cy="2613684"/>
-          </a:xfrm>
-          <a:prstGeom prst="rect">
-            <a:avLst/>
-          </a:prstGeom>
-        </p:spPr>
-      </p:pic>
-      <p:pic>
-        <p:nvPicPr>
-          <p:cNvPr id="7" name="Picture 6" descr="A picture containing sky&#10;&#10;Description generated with very high confidence">
-            <a:extLst>
-              <a:ext uri="{FF2B5EF4-FFF2-40B4-BE49-F238E27FC236}">
-                <a16:creationId xmlns:a16="http://schemas.microsoft.com/office/drawing/2014/main" id="{CBEE2D6F-8E5D-4EE3-AAFB-668CE9870628}"/>
-              </a:ext>
-            </a:extLst>
-          </p:cNvPr>
-          <p:cNvPicPr>
-            <a:picLocks noChangeAspect="1"/>
-          </p:cNvPicPr>
-          <p:nvPr/>
-        </p:nvPicPr>
-        <p:blipFill>
-          <a:blip r:embed="rId5">
-            <a:extLst>
-              <a:ext uri="{28A0092B-C50C-407E-A947-70E740481C1C}">
-                <a14:useLocalDpi xmlns:a14="http://schemas.microsoft.com/office/drawing/2010/main" val="0"/>
-              </a:ext>
-            </a:extLst>
-          </a:blip>
-          <a:stretch>
-            <a:fillRect/>
-          </a:stretch>
-        </p:blipFill>
-        <p:spPr>
-          <a:xfrm>
-            <a:off x="4132829" y="1105766"/>
-            <a:ext cx="3414715" cy="2706394"/>
-          </a:xfrm>
-          <a:prstGeom prst="rect">
-            <a:avLst/>
-          </a:prstGeom>
-        </p:spPr>
-      </p:pic>
-      <p:pic>
-        <p:nvPicPr>
-          <p:cNvPr id="10" name="Picture 9" descr="A screenshot of a cell phone&#10;&#10;Description generated with high confidence">
-            <a:extLst>
-              <a:ext uri="{FF2B5EF4-FFF2-40B4-BE49-F238E27FC236}">
-                <a16:creationId xmlns:a16="http://schemas.microsoft.com/office/drawing/2014/main" id="{4A90E0D0-50F3-4792-BE3E-DF4BD1F911EA}"/>
-              </a:ext>
-            </a:extLst>
-          </p:cNvPr>
-          <p:cNvPicPr>
-            <a:picLocks noChangeAspect="1"/>
-          </p:cNvPicPr>
-          <p:nvPr/>
-        </p:nvPicPr>
-        <p:blipFill>
-          <a:blip r:embed="rId6">
-            <a:extLst>
-              <a:ext uri="{28A0092B-C50C-407E-A947-70E740481C1C}">
-                <a14:useLocalDpi xmlns:a14="http://schemas.microsoft.com/office/drawing/2010/main" val="0"/>
-              </a:ext>
-            </a:extLst>
-          </a:blip>
-          <a:stretch>
-            <a:fillRect/>
-          </a:stretch>
-        </p:blipFill>
-        <p:spPr>
-          <a:xfrm>
-            <a:off x="3955067" y="3941046"/>
-            <a:ext cx="3443616" cy="2634042"/>
-          </a:xfrm>
-          <a:prstGeom prst="rect">
-            <a:avLst/>
-          </a:prstGeom>
-        </p:spPr>
-      </p:pic>
-      <p:pic>
-        <p:nvPicPr>
-          <p:cNvPr id="14" name="Picture 13" descr="A screenshot of a cell phone&#10;&#10;Description generated with high confidence">
-            <a:extLst>
-              <a:ext uri="{FF2B5EF4-FFF2-40B4-BE49-F238E27FC236}">
-                <a16:creationId xmlns:a16="http://schemas.microsoft.com/office/drawing/2014/main" id="{E259BE0B-46F0-4A38-AC45-DD8DB8D31EF8}"/>
-              </a:ext>
-            </a:extLst>
-          </p:cNvPr>
-          <p:cNvPicPr>
-            <a:picLocks noChangeAspect="1"/>
-          </p:cNvPicPr>
-          <p:nvPr/>
-        </p:nvPicPr>
-        <p:blipFill>
-          <a:blip r:embed="rId7">
-            <a:extLst>
-              <a:ext uri="{28A0092B-C50C-407E-A947-70E740481C1C}">
-                <a14:useLocalDpi xmlns:a14="http://schemas.microsoft.com/office/drawing/2010/main" val="0"/>
-              </a:ext>
-            </a:extLst>
-          </a:blip>
-          <a:stretch>
-            <a:fillRect/>
-          </a:stretch>
-        </p:blipFill>
-        <p:spPr>
-          <a:xfrm>
-            <a:off x="7887726" y="1105766"/>
-            <a:ext cx="3977310" cy="2854160"/>
-          </a:xfrm>
-          <a:prstGeom prst="rect">
-            <a:avLst/>
-          </a:prstGeom>
-        </p:spPr>
-      </p:pic>
-      <p:pic>
-        <p:nvPicPr>
-          <p:cNvPr id="19" name="Picture 18" descr="A screenshot of a cell phone&#10;&#10;Description generated with high confidence">
-            <a:extLst>
-              <a:ext uri="{FF2B5EF4-FFF2-40B4-BE49-F238E27FC236}">
-                <a16:creationId xmlns:a16="http://schemas.microsoft.com/office/drawing/2014/main" id="{0393CAB1-497C-40AC-BD73-BD10881724B0}"/>
-              </a:ext>
-            </a:extLst>
-          </p:cNvPr>
-          <p:cNvPicPr>
-            <a:picLocks noChangeAspect="1"/>
-          </p:cNvPicPr>
-          <p:nvPr/>
-        </p:nvPicPr>
-        <p:blipFill>
-          <a:blip r:embed="rId8">
-            <a:extLst>
-              <a:ext uri="{28A0092B-C50C-407E-A947-70E740481C1C}">
-                <a14:useLocalDpi xmlns:a14="http://schemas.microsoft.com/office/drawing/2010/main" val="0"/>
-              </a:ext>
-            </a:extLst>
-          </a:blip>
-          <a:stretch>
-            <a:fillRect/>
-          </a:stretch>
-        </p:blipFill>
-        <p:spPr>
-          <a:xfrm>
-            <a:off x="7887908" y="4121448"/>
-            <a:ext cx="3847573" cy="2512179"/>
-          </a:xfrm>
-          <a:prstGeom prst="rect">
-            <a:avLst/>
-          </a:prstGeom>
-        </p:spPr>
-      </p:pic>
-    </p:spTree>
-    <p:extLst>
-      <p:ext uri="{BB962C8B-B14F-4D97-AF65-F5344CB8AC3E}">
-        <p14:creationId xmlns:p14="http://schemas.microsoft.com/office/powerpoint/2010/main" val="2141128401"/>
       </p:ext>
     </p:extLst>
   </p:cSld>

--- a/O3-PM_health effects-Project1_JARR.pptx
+++ b/O3-PM_health effects-Project1_JARR.pptx
@@ -121,6 +121,11 @@
       </a:defRPr>
     </a:lvl9pPr>
   </p:defaultTextStyle>
+  <p:extLst>
+    <p:ext uri="{EFAFB233-063F-42B5-8137-9DF3F51BA10A}">
+      <p15:sldGuideLst xmlns:p15="http://schemas.microsoft.com/office/powerpoint/2012/main"/>
+    </p:ext>
+  </p:extLst>
 </p:presentation>
 </file>
 
@@ -206,7 +211,7 @@
           <a:p>
             <a:fld id="{1DF614D0-E9D4-41D7-A3E2-A6F0FB64A5C4}" type="datetimeFigureOut">
               <a:rPr lang="en-US" smtClean="0"/>
-              <a:t>8/18/2018</a:t>
+              <a:t>8/20/2018</a:t>
             </a:fld>
             <a:endParaRPr lang="en-US"/>
           </a:p>
@@ -8305,7 +8310,7 @@
           <a:p>
             <a:fld id="{FA0A796C-E1CD-410B-B6FB-BF3D94CB0D1D}" type="datetimeFigureOut">
               <a:rPr lang="en-US" smtClean="0"/>
-              <a:t>8/18/2018</a:t>
+              <a:t>8/20/2018</a:t>
             </a:fld>
             <a:endParaRPr lang="en-US"/>
           </a:p>
@@ -8503,7 +8508,7 @@
           <a:p>
             <a:fld id="{FA0A796C-E1CD-410B-B6FB-BF3D94CB0D1D}" type="datetimeFigureOut">
               <a:rPr lang="en-US" smtClean="0"/>
-              <a:t>8/18/2018</a:t>
+              <a:t>8/20/2018</a:t>
             </a:fld>
             <a:endParaRPr lang="en-US"/>
           </a:p>
@@ -8711,7 +8716,7 @@
           <a:p>
             <a:fld id="{FA0A796C-E1CD-410B-B6FB-BF3D94CB0D1D}" type="datetimeFigureOut">
               <a:rPr lang="en-US" smtClean="0"/>
-              <a:t>8/18/2018</a:t>
+              <a:t>8/20/2018</a:t>
             </a:fld>
             <a:endParaRPr lang="en-US"/>
           </a:p>
@@ -13752,7 +13757,7 @@
           <a:p>
             <a:fld id="{FA0A796C-E1CD-410B-B6FB-BF3D94CB0D1D}" type="datetimeFigureOut">
               <a:rPr lang="en-US" smtClean="0"/>
-              <a:t>8/18/2018</a:t>
+              <a:t>8/20/2018</a:t>
             </a:fld>
             <a:endParaRPr lang="en-US"/>
           </a:p>
@@ -15665,7 +15670,7 @@
           <a:p>
             <a:fld id="{FA0A796C-E1CD-410B-B6FB-BF3D94CB0D1D}" type="datetimeFigureOut">
               <a:rPr lang="en-US" smtClean="0"/>
-              <a:t>8/18/2018</a:t>
+              <a:t>8/20/2018</a:t>
             </a:fld>
             <a:endParaRPr lang="en-US"/>
           </a:p>
@@ -15930,7 +15935,7 @@
           <a:p>
             <a:fld id="{FA0A796C-E1CD-410B-B6FB-BF3D94CB0D1D}" type="datetimeFigureOut">
               <a:rPr lang="en-US" smtClean="0"/>
-              <a:t>8/18/2018</a:t>
+              <a:t>8/20/2018</a:t>
             </a:fld>
             <a:endParaRPr lang="en-US"/>
           </a:p>
@@ -16342,7 +16347,7 @@
           <a:p>
             <a:fld id="{FA0A796C-E1CD-410B-B6FB-BF3D94CB0D1D}" type="datetimeFigureOut">
               <a:rPr lang="en-US" smtClean="0"/>
-              <a:t>8/18/2018</a:t>
+              <a:t>8/20/2018</a:t>
             </a:fld>
             <a:endParaRPr lang="en-US"/>
           </a:p>
@@ -16483,7 +16488,7 @@
           <a:p>
             <a:fld id="{FA0A796C-E1CD-410B-B6FB-BF3D94CB0D1D}" type="datetimeFigureOut">
               <a:rPr lang="en-US" smtClean="0"/>
-              <a:t>8/18/2018</a:t>
+              <a:t>8/20/2018</a:t>
             </a:fld>
             <a:endParaRPr lang="en-US"/>
           </a:p>
@@ -16596,7 +16601,7 @@
           <a:p>
             <a:fld id="{FA0A796C-E1CD-410B-B6FB-BF3D94CB0D1D}" type="datetimeFigureOut">
               <a:rPr lang="en-US" smtClean="0"/>
-              <a:t>8/18/2018</a:t>
+              <a:t>8/20/2018</a:t>
             </a:fld>
             <a:endParaRPr lang="en-US"/>
           </a:p>
@@ -16907,7 +16912,7 @@
           <a:p>
             <a:fld id="{FA0A796C-E1CD-410B-B6FB-BF3D94CB0D1D}" type="datetimeFigureOut">
               <a:rPr lang="en-US" smtClean="0"/>
-              <a:t>8/18/2018</a:t>
+              <a:t>8/20/2018</a:t>
             </a:fld>
             <a:endParaRPr lang="en-US"/>
           </a:p>
@@ -17195,7 +17200,7 @@
           <a:p>
             <a:fld id="{FA0A796C-E1CD-410B-B6FB-BF3D94CB0D1D}" type="datetimeFigureOut">
               <a:rPr lang="en-US" smtClean="0"/>
-              <a:t>8/18/2018</a:t>
+              <a:t>8/20/2018</a:t>
             </a:fld>
             <a:endParaRPr lang="en-US"/>
           </a:p>
@@ -17436,7 +17441,7 @@
           <a:p>
             <a:fld id="{FA0A796C-E1CD-410B-B6FB-BF3D94CB0D1D}" type="datetimeFigureOut">
               <a:rPr lang="en-US" smtClean="0"/>
-              <a:t>8/18/2018</a:t>
+              <a:t>8/20/2018</a:t>
             </a:fld>
             <a:endParaRPr lang="en-US"/>
           </a:p>
@@ -21734,8 +21739,8 @@
         </p:blipFill>
         <p:spPr>
           <a:xfrm>
-            <a:off x="6409948" y="3429000"/>
-            <a:ext cx="5616318" cy="3203966"/>
+            <a:off x="7547545" y="4149152"/>
+            <a:ext cx="4553620" cy="2597724"/>
           </a:xfrm>
           <a:prstGeom prst="rect">
             <a:avLst/>
